--- a/2018-04-02_figure_layout.pptx
+++ b/2018-04-02_figure_layout.pptx
@@ -8,6 +8,9 @@
     <p:sldId id="256" r:id="rId2"/>
     <p:sldId id="257" r:id="rId3"/>
     <p:sldId id="258" r:id="rId4"/>
+    <p:sldId id="259" r:id="rId5"/>
+    <p:sldId id="261" r:id="rId6"/>
+    <p:sldId id="260" r:id="rId7"/>
   </p:sldIdLst>
   <p:sldSz cx="12192000" cy="6858000"/>
   <p:notesSz cx="6858000" cy="9144000"/>
@@ -106,6 +109,11 @@
       </a:defRPr>
     </a:lvl9pPr>
   </p:defaultTextStyle>
+  <p:extLst>
+    <p:ext uri="{EFAFB233-063F-42B5-8137-9DF3F51BA10A}">
+      <p15:sldGuideLst xmlns:p15="http://schemas.microsoft.com/office/powerpoint/2012/main"/>
+    </p:ext>
+  </p:extLst>
 </p:presentation>
 </file>
 
@@ -256,7 +264,7 @@
           <a:p>
             <a:fld id="{8613B011-3E82-E04F-8774-1C022D727498}" type="datetimeFigureOut">
               <a:rPr lang="en-US" smtClean="0"/>
-              <a:t>3/30/18</a:t>
+              <a:t>4/4/18</a:t>
             </a:fld>
             <a:endParaRPr lang="en-US"/>
           </a:p>
@@ -454,7 +462,7 @@
           <a:p>
             <a:fld id="{8613B011-3E82-E04F-8774-1C022D727498}" type="datetimeFigureOut">
               <a:rPr lang="en-US" smtClean="0"/>
-              <a:t>3/30/18</a:t>
+              <a:t>4/4/18</a:t>
             </a:fld>
             <a:endParaRPr lang="en-US"/>
           </a:p>
@@ -662,7 +670,7 @@
           <a:p>
             <a:fld id="{8613B011-3E82-E04F-8774-1C022D727498}" type="datetimeFigureOut">
               <a:rPr lang="en-US" smtClean="0"/>
-              <a:t>3/30/18</a:t>
+              <a:t>4/4/18</a:t>
             </a:fld>
             <a:endParaRPr lang="en-US"/>
           </a:p>
@@ -860,7 +868,7 @@
           <a:p>
             <a:fld id="{8613B011-3E82-E04F-8774-1C022D727498}" type="datetimeFigureOut">
               <a:rPr lang="en-US" smtClean="0"/>
-              <a:t>3/30/18</a:t>
+              <a:t>4/4/18</a:t>
             </a:fld>
             <a:endParaRPr lang="en-US"/>
           </a:p>
@@ -1135,7 +1143,7 @@
           <a:p>
             <a:fld id="{8613B011-3E82-E04F-8774-1C022D727498}" type="datetimeFigureOut">
               <a:rPr lang="en-US" smtClean="0"/>
-              <a:t>3/30/18</a:t>
+              <a:t>4/4/18</a:t>
             </a:fld>
             <a:endParaRPr lang="en-US"/>
           </a:p>
@@ -1400,7 +1408,7 @@
           <a:p>
             <a:fld id="{8613B011-3E82-E04F-8774-1C022D727498}" type="datetimeFigureOut">
               <a:rPr lang="en-US" smtClean="0"/>
-              <a:t>3/30/18</a:t>
+              <a:t>4/4/18</a:t>
             </a:fld>
             <a:endParaRPr lang="en-US"/>
           </a:p>
@@ -1812,7 +1820,7 @@
           <a:p>
             <a:fld id="{8613B011-3E82-E04F-8774-1C022D727498}" type="datetimeFigureOut">
               <a:rPr lang="en-US" smtClean="0"/>
-              <a:t>3/30/18</a:t>
+              <a:t>4/4/18</a:t>
             </a:fld>
             <a:endParaRPr lang="en-US"/>
           </a:p>
@@ -1953,7 +1961,7 @@
           <a:p>
             <a:fld id="{8613B011-3E82-E04F-8774-1C022D727498}" type="datetimeFigureOut">
               <a:rPr lang="en-US" smtClean="0"/>
-              <a:t>3/30/18</a:t>
+              <a:t>4/4/18</a:t>
             </a:fld>
             <a:endParaRPr lang="en-US"/>
           </a:p>
@@ -2066,7 +2074,7 @@
           <a:p>
             <a:fld id="{8613B011-3E82-E04F-8774-1C022D727498}" type="datetimeFigureOut">
               <a:rPr lang="en-US" smtClean="0"/>
-              <a:t>3/30/18</a:t>
+              <a:t>4/4/18</a:t>
             </a:fld>
             <a:endParaRPr lang="en-US"/>
           </a:p>
@@ -2377,7 +2385,7 @@
           <a:p>
             <a:fld id="{8613B011-3E82-E04F-8774-1C022D727498}" type="datetimeFigureOut">
               <a:rPr lang="en-US" smtClean="0"/>
-              <a:t>3/30/18</a:t>
+              <a:t>4/4/18</a:t>
             </a:fld>
             <a:endParaRPr lang="en-US"/>
           </a:p>
@@ -2665,7 +2673,7 @@
           <a:p>
             <a:fld id="{8613B011-3E82-E04F-8774-1C022D727498}" type="datetimeFigureOut">
               <a:rPr lang="en-US" smtClean="0"/>
-              <a:t>3/30/18</a:t>
+              <a:t>4/4/18</a:t>
             </a:fld>
             <a:endParaRPr lang="en-US"/>
           </a:p>
@@ -2906,7 +2914,7 @@
           <a:p>
             <a:fld id="{8613B011-3E82-E04F-8774-1C022D727498}" type="datetimeFigureOut">
               <a:rPr lang="en-US" smtClean="0"/>
-              <a:t>3/30/18</a:t>
+              <a:t>4/4/18</a:t>
             </a:fld>
             <a:endParaRPr lang="en-US"/>
           </a:p>
@@ -4064,10 +4072,2371 @@
           <a:chExt cx="0" cy="0"/>
         </a:xfrm>
       </p:grpSpPr>
+      <p:graphicFrame>
+        <p:nvGraphicFramePr>
+          <p:cNvPr id="5" name="Table 4">
+            <a:extLst>
+              <a:ext uri="{FF2B5EF4-FFF2-40B4-BE49-F238E27FC236}">
+                <a16:creationId xmlns:a16="http://schemas.microsoft.com/office/drawing/2014/main" id="{7AD86FD9-FF31-E240-A339-BC5571A81C08}"/>
+              </a:ext>
+            </a:extLst>
+          </p:cNvPr>
+          <p:cNvGraphicFramePr>
+            <a:graphicFrameLocks noGrp="1"/>
+          </p:cNvGraphicFramePr>
+          <p:nvPr>
+            <p:extLst>
+              <p:ext uri="{D42A27DB-BD31-4B8C-83A1-F6EECF244321}">
+                <p14:modId xmlns:p14="http://schemas.microsoft.com/office/powerpoint/2010/main" val="3786569800"/>
+              </p:ext>
+            </p:extLst>
+          </p:nvPr>
+        </p:nvGraphicFramePr>
+        <p:xfrm>
+          <a:off x="2006600" y="1024467"/>
+          <a:ext cx="7298267" cy="4631260"/>
+        </p:xfrm>
+        <a:graphic>
+          <a:graphicData uri="http://schemas.openxmlformats.org/drawingml/2006/table">
+            <a:tbl>
+              <a:tblPr>
+                <a:tableStyleId>{5C22544A-7EE6-4342-B048-85BDC9FD1C3A}</a:tableStyleId>
+              </a:tblPr>
+              <a:tblGrid>
+                <a:gridCol w="545177">
+                  <a:extLst>
+                    <a:ext uri="{9D8B030D-6E8A-4147-A177-3AD203B41FA5}">
+                      <a16:colId xmlns:a16="http://schemas.microsoft.com/office/drawing/2014/main" val="152647177"/>
+                    </a:ext>
+                  </a:extLst>
+                </a:gridCol>
+                <a:gridCol w="1712816">
+                  <a:extLst>
+                    <a:ext uri="{9D8B030D-6E8A-4147-A177-3AD203B41FA5}">
+                      <a16:colId xmlns:a16="http://schemas.microsoft.com/office/drawing/2014/main" val="400417408"/>
+                    </a:ext>
+                  </a:extLst>
+                </a:gridCol>
+                <a:gridCol w="2615177">
+                  <a:extLst>
+                    <a:ext uri="{9D8B030D-6E8A-4147-A177-3AD203B41FA5}">
+                      <a16:colId xmlns:a16="http://schemas.microsoft.com/office/drawing/2014/main" val="2957872648"/>
+                    </a:ext>
+                  </a:extLst>
+                </a:gridCol>
+                <a:gridCol w="2425097">
+                  <a:extLst>
+                    <a:ext uri="{9D8B030D-6E8A-4147-A177-3AD203B41FA5}">
+                      <a16:colId xmlns:a16="http://schemas.microsoft.com/office/drawing/2014/main" val="1408995878"/>
+                    </a:ext>
+                  </a:extLst>
+                </a:gridCol>
+              </a:tblGrid>
+              <a:tr h="198456">
+                <a:tc>
+                  <a:txBody>
+                    <a:bodyPr/>
+                    <a:lstStyle/>
+                    <a:p>
+                      <a:pPr algn="l" fontAlgn="b"/>
+                      <a:endParaRPr lang="en-US" sz="1100" b="0" i="0" u="none" strike="noStrike">
+                        <a:solidFill>
+                          <a:srgbClr val="000000"/>
+                        </a:solidFill>
+                        <a:effectLst/>
+                        <a:latin typeface="Calibri" panose="020F0502020204030204" pitchFamily="34" charset="0"/>
+                      </a:endParaRPr>
+                    </a:p>
+                  </a:txBody>
+                  <a:tcPr marL="5379" marR="5379" marT="5379" marB="0" anchor="b"/>
+                </a:tc>
+                <a:tc>
+                  <a:txBody>
+                    <a:bodyPr/>
+                    <a:lstStyle/>
+                    <a:p>
+                      <a:pPr algn="l" fontAlgn="b"/>
+                      <a:r>
+                        <a:rPr lang="en-US" sz="1100" u="none" strike="noStrike">
+                          <a:effectLst/>
+                        </a:rPr>
+                        <a:t>PC1 (70%)</a:t>
+                      </a:r>
+                      <a:endParaRPr lang="en-US" sz="1100" b="0" i="0" u="none" strike="noStrike">
+                        <a:solidFill>
+                          <a:srgbClr val="000000"/>
+                        </a:solidFill>
+                        <a:effectLst/>
+                        <a:latin typeface="Calibri" panose="020F0502020204030204" pitchFamily="34" charset="0"/>
+                      </a:endParaRPr>
+                    </a:p>
+                  </a:txBody>
+                  <a:tcPr marL="5379" marR="5379" marT="5379" marB="0" anchor="b"/>
+                </a:tc>
+                <a:tc>
+                  <a:txBody>
+                    <a:bodyPr/>
+                    <a:lstStyle/>
+                    <a:p>
+                      <a:pPr algn="l" fontAlgn="b"/>
+                      <a:r>
+                        <a:rPr lang="en-US" sz="1100" u="none" strike="noStrike">
+                          <a:effectLst/>
+                        </a:rPr>
+                        <a:t>PC2 (17.5%)</a:t>
+                      </a:r>
+                      <a:endParaRPr lang="en-US" sz="1100" b="0" i="0" u="none" strike="noStrike">
+                        <a:solidFill>
+                          <a:srgbClr val="000000"/>
+                        </a:solidFill>
+                        <a:effectLst/>
+                        <a:latin typeface="Calibri" panose="020F0502020204030204" pitchFamily="34" charset="0"/>
+                      </a:endParaRPr>
+                    </a:p>
+                  </a:txBody>
+                  <a:tcPr marL="5379" marR="5379" marT="5379" marB="0" anchor="b"/>
+                </a:tc>
+                <a:tc>
+                  <a:txBody>
+                    <a:bodyPr/>
+                    <a:lstStyle/>
+                    <a:p>
+                      <a:pPr algn="l" fontAlgn="b"/>
+                      <a:r>
+                        <a:rPr lang="en-US" sz="1100" u="none" strike="noStrike">
+                          <a:effectLst/>
+                        </a:rPr>
+                        <a:t>PC3 (7.2%)</a:t>
+                      </a:r>
+                      <a:endParaRPr lang="en-US" sz="1100" b="0" i="0" u="none" strike="noStrike">
+                        <a:solidFill>
+                          <a:srgbClr val="000000"/>
+                        </a:solidFill>
+                        <a:effectLst/>
+                        <a:latin typeface="Calibri" panose="020F0502020204030204" pitchFamily="34" charset="0"/>
+                      </a:endParaRPr>
+                    </a:p>
+                  </a:txBody>
+                  <a:tcPr marL="5379" marR="5379" marT="5379" marB="0" anchor="b"/>
+                </a:tc>
+                <a:extLst>
+                  <a:ext uri="{0D108BD9-81ED-4DB2-BD59-A6C34878D82A}">
+                    <a16:rowId xmlns:a16="http://schemas.microsoft.com/office/drawing/2014/main" val="2796937328"/>
+                  </a:ext>
+                </a:extLst>
+              </a:tr>
+              <a:tr h="213721">
+                <a:tc>
+                  <a:txBody>
+                    <a:bodyPr/>
+                    <a:lstStyle/>
+                    <a:p>
+                      <a:pPr algn="l" fontAlgn="b"/>
+                      <a:r>
+                        <a:rPr lang="en-US" sz="1100" u="none" strike="noStrike">
+                          <a:effectLst/>
+                        </a:rPr>
+                        <a:t>bio1</a:t>
+                      </a:r>
+                      <a:endParaRPr lang="en-US" sz="1100" b="0" i="0" u="none" strike="noStrike">
+                        <a:solidFill>
+                          <a:srgbClr val="000000"/>
+                        </a:solidFill>
+                        <a:effectLst/>
+                        <a:latin typeface="Calibri" panose="020F0502020204030204" pitchFamily="34" charset="0"/>
+                      </a:endParaRPr>
+                    </a:p>
+                  </a:txBody>
+                  <a:tcPr marL="5379" marR="5379" marT="5379" marB="0" anchor="b"/>
+                </a:tc>
+                <a:tc>
+                  <a:txBody>
+                    <a:bodyPr/>
+                    <a:lstStyle/>
+                    <a:p>
+                      <a:pPr algn="ctr" fontAlgn="b"/>
+                      <a:r>
+                        <a:rPr lang="en-US" sz="1100" u="none" strike="noStrike">
+                          <a:effectLst/>
+                        </a:rPr>
+                        <a:t>0.27</a:t>
+                      </a:r>
+                      <a:endParaRPr lang="en-US" sz="1100" b="0" i="0" u="none" strike="noStrike">
+                        <a:solidFill>
+                          <a:srgbClr val="000000"/>
+                        </a:solidFill>
+                        <a:effectLst/>
+                        <a:latin typeface="Calibri" panose="020F0502020204030204" pitchFamily="34" charset="0"/>
+                      </a:endParaRPr>
+                    </a:p>
+                  </a:txBody>
+                  <a:tcPr marL="5379" marR="5379" marT="5379" marB="0" anchor="b"/>
+                </a:tc>
+                <a:tc>
+                  <a:txBody>
+                    <a:bodyPr/>
+                    <a:lstStyle/>
+                    <a:p>
+                      <a:pPr algn="ctr" fontAlgn="b"/>
+                      <a:r>
+                        <a:rPr lang="en-US" sz="1100" u="none" strike="noStrike">
+                          <a:effectLst/>
+                        </a:rPr>
+                        <a:t>-0.11</a:t>
+                      </a:r>
+                      <a:endParaRPr lang="en-US" sz="1100" b="0" i="0" u="none" strike="noStrike">
+                        <a:solidFill>
+                          <a:srgbClr val="000000"/>
+                        </a:solidFill>
+                        <a:effectLst/>
+                        <a:latin typeface="Calibri" panose="020F0502020204030204" pitchFamily="34" charset="0"/>
+                      </a:endParaRPr>
+                    </a:p>
+                  </a:txBody>
+                  <a:tcPr marL="5379" marR="5379" marT="5379" marB="0" anchor="b"/>
+                </a:tc>
+                <a:tc>
+                  <a:txBody>
+                    <a:bodyPr/>
+                    <a:lstStyle/>
+                    <a:p>
+                      <a:pPr algn="ctr" fontAlgn="b"/>
+                      <a:r>
+                        <a:rPr lang="en-US" sz="1100" u="none" strike="noStrike">
+                          <a:effectLst/>
+                        </a:rPr>
+                        <a:t>-0.13</a:t>
+                      </a:r>
+                      <a:endParaRPr lang="en-US" sz="1100" b="0" i="0" u="none" strike="noStrike">
+                        <a:solidFill>
+                          <a:srgbClr val="000000"/>
+                        </a:solidFill>
+                        <a:effectLst/>
+                        <a:latin typeface="Calibri" panose="020F0502020204030204" pitchFamily="34" charset="0"/>
+                      </a:endParaRPr>
+                    </a:p>
+                  </a:txBody>
+                  <a:tcPr marL="5379" marR="5379" marT="5379" marB="0" anchor="b"/>
+                </a:tc>
+                <a:extLst>
+                  <a:ext uri="{0D108BD9-81ED-4DB2-BD59-A6C34878D82A}">
+                    <a16:rowId xmlns:a16="http://schemas.microsoft.com/office/drawing/2014/main" val="1192999541"/>
+                  </a:ext>
+                </a:extLst>
+              </a:tr>
+              <a:tr h="213721">
+                <a:tc>
+                  <a:txBody>
+                    <a:bodyPr/>
+                    <a:lstStyle/>
+                    <a:p>
+                      <a:pPr algn="l" fontAlgn="b"/>
+                      <a:r>
+                        <a:rPr lang="en-US" sz="1100" u="none" strike="noStrike">
+                          <a:effectLst/>
+                        </a:rPr>
+                        <a:t>bio2</a:t>
+                      </a:r>
+                      <a:endParaRPr lang="en-US" sz="1100" b="0" i="0" u="none" strike="noStrike">
+                        <a:solidFill>
+                          <a:srgbClr val="000000"/>
+                        </a:solidFill>
+                        <a:effectLst/>
+                        <a:latin typeface="Calibri" panose="020F0502020204030204" pitchFamily="34" charset="0"/>
+                      </a:endParaRPr>
+                    </a:p>
+                  </a:txBody>
+                  <a:tcPr marL="5379" marR="5379" marT="5379" marB="0" anchor="b"/>
+                </a:tc>
+                <a:tc>
+                  <a:txBody>
+                    <a:bodyPr/>
+                    <a:lstStyle/>
+                    <a:p>
+                      <a:pPr algn="ctr" fontAlgn="b"/>
+                      <a:r>
+                        <a:rPr lang="en-US" sz="1100" u="none" strike="noStrike">
+                          <a:effectLst/>
+                        </a:rPr>
+                        <a:t>-0.26</a:t>
+                      </a:r>
+                      <a:endParaRPr lang="en-US" sz="1100" b="0" i="0" u="none" strike="noStrike">
+                        <a:solidFill>
+                          <a:srgbClr val="000000"/>
+                        </a:solidFill>
+                        <a:effectLst/>
+                        <a:latin typeface="Calibri" panose="020F0502020204030204" pitchFamily="34" charset="0"/>
+                      </a:endParaRPr>
+                    </a:p>
+                  </a:txBody>
+                  <a:tcPr marL="5379" marR="5379" marT="5379" marB="0" anchor="b"/>
+                </a:tc>
+                <a:tc>
+                  <a:txBody>
+                    <a:bodyPr/>
+                    <a:lstStyle/>
+                    <a:p>
+                      <a:pPr algn="ctr" fontAlgn="b"/>
+                      <a:r>
+                        <a:rPr lang="en-US" sz="1100" u="none" strike="noStrike">
+                          <a:effectLst/>
+                        </a:rPr>
+                        <a:t>-0.08</a:t>
+                      </a:r>
+                      <a:endParaRPr lang="en-US" sz="1100" b="0" i="0" u="none" strike="noStrike">
+                        <a:solidFill>
+                          <a:srgbClr val="000000"/>
+                        </a:solidFill>
+                        <a:effectLst/>
+                        <a:latin typeface="Calibri" panose="020F0502020204030204" pitchFamily="34" charset="0"/>
+                      </a:endParaRPr>
+                    </a:p>
+                  </a:txBody>
+                  <a:tcPr marL="5379" marR="5379" marT="5379" marB="0" anchor="b"/>
+                </a:tc>
+                <a:tc>
+                  <a:txBody>
+                    <a:bodyPr/>
+                    <a:lstStyle/>
+                    <a:p>
+                      <a:pPr algn="ctr" fontAlgn="b"/>
+                      <a:r>
+                        <a:rPr lang="en-US" sz="1100" u="none" strike="noStrike">
+                          <a:effectLst/>
+                        </a:rPr>
+                        <a:t>0.23</a:t>
+                      </a:r>
+                      <a:endParaRPr lang="en-US" sz="1100" b="0" i="0" u="none" strike="noStrike">
+                        <a:solidFill>
+                          <a:srgbClr val="000000"/>
+                        </a:solidFill>
+                        <a:effectLst/>
+                        <a:latin typeface="Calibri" panose="020F0502020204030204" pitchFamily="34" charset="0"/>
+                      </a:endParaRPr>
+                    </a:p>
+                  </a:txBody>
+                  <a:tcPr marL="5379" marR="5379" marT="5379" marB="0" anchor="b"/>
+                </a:tc>
+                <a:extLst>
+                  <a:ext uri="{0D108BD9-81ED-4DB2-BD59-A6C34878D82A}">
+                    <a16:rowId xmlns:a16="http://schemas.microsoft.com/office/drawing/2014/main" val="289629856"/>
+                  </a:ext>
+                </a:extLst>
+              </a:tr>
+              <a:tr h="213721">
+                <a:tc>
+                  <a:txBody>
+                    <a:bodyPr/>
+                    <a:lstStyle/>
+                    <a:p>
+                      <a:pPr algn="l" fontAlgn="b"/>
+                      <a:r>
+                        <a:rPr lang="en-US" sz="1100" u="none" strike="noStrike">
+                          <a:effectLst/>
+                        </a:rPr>
+                        <a:t>bio3</a:t>
+                      </a:r>
+                      <a:endParaRPr lang="en-US" sz="1100" b="0" i="0" u="none" strike="noStrike">
+                        <a:solidFill>
+                          <a:srgbClr val="000000"/>
+                        </a:solidFill>
+                        <a:effectLst/>
+                        <a:latin typeface="Calibri" panose="020F0502020204030204" pitchFamily="34" charset="0"/>
+                      </a:endParaRPr>
+                    </a:p>
+                  </a:txBody>
+                  <a:tcPr marL="5379" marR="5379" marT="5379" marB="0" anchor="b"/>
+                </a:tc>
+                <a:tc>
+                  <a:txBody>
+                    <a:bodyPr/>
+                    <a:lstStyle/>
+                    <a:p>
+                      <a:pPr algn="ctr" fontAlgn="b"/>
+                      <a:r>
+                        <a:rPr lang="en-US" sz="1100" u="none" strike="noStrike">
+                          <a:effectLst/>
+                        </a:rPr>
+                        <a:t>0.15</a:t>
+                      </a:r>
+                      <a:endParaRPr lang="en-US" sz="1100" b="0" i="0" u="none" strike="noStrike">
+                        <a:solidFill>
+                          <a:srgbClr val="000000"/>
+                        </a:solidFill>
+                        <a:effectLst/>
+                        <a:latin typeface="Calibri" panose="020F0502020204030204" pitchFamily="34" charset="0"/>
+                      </a:endParaRPr>
+                    </a:p>
+                  </a:txBody>
+                  <a:tcPr marL="5379" marR="5379" marT="5379" marB="0" anchor="b"/>
+                </a:tc>
+                <a:tc>
+                  <a:txBody>
+                    <a:bodyPr/>
+                    <a:lstStyle/>
+                    <a:p>
+                      <a:pPr algn="ctr" fontAlgn="b"/>
+                      <a:r>
+                        <a:rPr lang="en-US" sz="1100" u="none" strike="noStrike">
+                          <a:effectLst/>
+                        </a:rPr>
+                        <a:t>-0.42</a:t>
+                      </a:r>
+                      <a:endParaRPr lang="en-US" sz="1100" b="0" i="0" u="none" strike="noStrike">
+                        <a:solidFill>
+                          <a:srgbClr val="000000"/>
+                        </a:solidFill>
+                        <a:effectLst/>
+                        <a:latin typeface="Calibri" panose="020F0502020204030204" pitchFamily="34" charset="0"/>
+                      </a:endParaRPr>
+                    </a:p>
+                  </a:txBody>
+                  <a:tcPr marL="5379" marR="5379" marT="5379" marB="0" anchor="b"/>
+                </a:tc>
+                <a:tc>
+                  <a:txBody>
+                    <a:bodyPr/>
+                    <a:lstStyle/>
+                    <a:p>
+                      <a:pPr algn="ctr" fontAlgn="b"/>
+                      <a:r>
+                        <a:rPr lang="en-US" sz="1100" u="none" strike="noStrike">
+                          <a:effectLst/>
+                        </a:rPr>
+                        <a:t>-0.18</a:t>
+                      </a:r>
+                      <a:endParaRPr lang="en-US" sz="1100" b="0" i="0" u="none" strike="noStrike">
+                        <a:solidFill>
+                          <a:srgbClr val="000000"/>
+                        </a:solidFill>
+                        <a:effectLst/>
+                        <a:latin typeface="Calibri" panose="020F0502020204030204" pitchFamily="34" charset="0"/>
+                      </a:endParaRPr>
+                    </a:p>
+                  </a:txBody>
+                  <a:tcPr marL="5379" marR="5379" marT="5379" marB="0" anchor="b"/>
+                </a:tc>
+                <a:extLst>
+                  <a:ext uri="{0D108BD9-81ED-4DB2-BD59-A6C34878D82A}">
+                    <a16:rowId xmlns:a16="http://schemas.microsoft.com/office/drawing/2014/main" val="770556850"/>
+                  </a:ext>
+                </a:extLst>
+              </a:tr>
+              <a:tr h="213721">
+                <a:tc>
+                  <a:txBody>
+                    <a:bodyPr/>
+                    <a:lstStyle/>
+                    <a:p>
+                      <a:pPr algn="l" fontAlgn="b"/>
+                      <a:r>
+                        <a:rPr lang="en-US" sz="1100" u="none" strike="noStrike">
+                          <a:effectLst/>
+                        </a:rPr>
+                        <a:t>bio4</a:t>
+                      </a:r>
+                      <a:endParaRPr lang="en-US" sz="1100" b="0" i="0" u="none" strike="noStrike">
+                        <a:solidFill>
+                          <a:srgbClr val="000000"/>
+                        </a:solidFill>
+                        <a:effectLst/>
+                        <a:latin typeface="Calibri" panose="020F0502020204030204" pitchFamily="34" charset="0"/>
+                      </a:endParaRPr>
+                    </a:p>
+                  </a:txBody>
+                  <a:tcPr marL="5379" marR="5379" marT="5379" marB="0" anchor="b"/>
+                </a:tc>
+                <a:tc>
+                  <a:txBody>
+                    <a:bodyPr/>
+                    <a:lstStyle/>
+                    <a:p>
+                      <a:pPr algn="ctr" fontAlgn="b"/>
+                      <a:r>
+                        <a:rPr lang="en-US" sz="1100" u="none" strike="noStrike">
+                          <a:effectLst/>
+                        </a:rPr>
+                        <a:t>-0.25</a:t>
+                      </a:r>
+                      <a:endParaRPr lang="en-US" sz="1100" b="0" i="0" u="none" strike="noStrike">
+                        <a:solidFill>
+                          <a:srgbClr val="000000"/>
+                        </a:solidFill>
+                        <a:effectLst/>
+                        <a:latin typeface="Calibri" panose="020F0502020204030204" pitchFamily="34" charset="0"/>
+                      </a:endParaRPr>
+                    </a:p>
+                  </a:txBody>
+                  <a:tcPr marL="5379" marR="5379" marT="5379" marB="0" anchor="b"/>
+                </a:tc>
+                <a:tc>
+                  <a:txBody>
+                    <a:bodyPr/>
+                    <a:lstStyle/>
+                    <a:p>
+                      <a:pPr algn="ctr" fontAlgn="b"/>
+                      <a:r>
+                        <a:rPr lang="en-US" sz="1100" u="none" strike="noStrike">
+                          <a:effectLst/>
+                        </a:rPr>
+                        <a:t>0.19</a:t>
+                      </a:r>
+                      <a:endParaRPr lang="en-US" sz="1100" b="0" i="0" u="none" strike="noStrike">
+                        <a:solidFill>
+                          <a:srgbClr val="000000"/>
+                        </a:solidFill>
+                        <a:effectLst/>
+                        <a:latin typeface="Calibri" panose="020F0502020204030204" pitchFamily="34" charset="0"/>
+                      </a:endParaRPr>
+                    </a:p>
+                  </a:txBody>
+                  <a:tcPr marL="5379" marR="5379" marT="5379" marB="0" anchor="b"/>
+                </a:tc>
+                <a:tc>
+                  <a:txBody>
+                    <a:bodyPr/>
+                    <a:lstStyle/>
+                    <a:p>
+                      <a:pPr algn="ctr" fontAlgn="b"/>
+                      <a:r>
+                        <a:rPr lang="en-US" sz="1100" u="none" strike="noStrike">
+                          <a:effectLst/>
+                        </a:rPr>
+                        <a:t>0.14</a:t>
+                      </a:r>
+                      <a:endParaRPr lang="en-US" sz="1100" b="0" i="0" u="none" strike="noStrike">
+                        <a:solidFill>
+                          <a:srgbClr val="000000"/>
+                        </a:solidFill>
+                        <a:effectLst/>
+                        <a:latin typeface="Calibri" panose="020F0502020204030204" pitchFamily="34" charset="0"/>
+                      </a:endParaRPr>
+                    </a:p>
+                  </a:txBody>
+                  <a:tcPr marL="5379" marR="5379" marT="5379" marB="0" anchor="b"/>
+                </a:tc>
+                <a:extLst>
+                  <a:ext uri="{0D108BD9-81ED-4DB2-BD59-A6C34878D82A}">
+                    <a16:rowId xmlns:a16="http://schemas.microsoft.com/office/drawing/2014/main" val="138011424"/>
+                  </a:ext>
+                </a:extLst>
+              </a:tr>
+              <a:tr h="213721">
+                <a:tc>
+                  <a:txBody>
+                    <a:bodyPr/>
+                    <a:lstStyle/>
+                    <a:p>
+                      <a:pPr algn="l" fontAlgn="b"/>
+                      <a:r>
+                        <a:rPr lang="en-US" sz="1100" u="none" strike="noStrike">
+                          <a:effectLst/>
+                        </a:rPr>
+                        <a:t>bio5</a:t>
+                      </a:r>
+                      <a:endParaRPr lang="en-US" sz="1100" b="0" i="0" u="none" strike="noStrike">
+                        <a:solidFill>
+                          <a:srgbClr val="000000"/>
+                        </a:solidFill>
+                        <a:effectLst/>
+                        <a:latin typeface="Calibri" panose="020F0502020204030204" pitchFamily="34" charset="0"/>
+                      </a:endParaRPr>
+                    </a:p>
+                  </a:txBody>
+                  <a:tcPr marL="5379" marR="5379" marT="5379" marB="0" anchor="b"/>
+                </a:tc>
+                <a:tc>
+                  <a:txBody>
+                    <a:bodyPr/>
+                    <a:lstStyle/>
+                    <a:p>
+                      <a:pPr algn="ctr" fontAlgn="b"/>
+                      <a:r>
+                        <a:rPr lang="en-US" sz="1100" u="none" strike="noStrike">
+                          <a:effectLst/>
+                        </a:rPr>
+                        <a:t>0.21</a:t>
+                      </a:r>
+                      <a:endParaRPr lang="en-US" sz="1100" b="0" i="0" u="none" strike="noStrike">
+                        <a:solidFill>
+                          <a:srgbClr val="000000"/>
+                        </a:solidFill>
+                        <a:effectLst/>
+                        <a:latin typeface="Calibri" panose="020F0502020204030204" pitchFamily="34" charset="0"/>
+                      </a:endParaRPr>
+                    </a:p>
+                  </a:txBody>
+                  <a:tcPr marL="5379" marR="5379" marT="5379" marB="0" anchor="b"/>
+                </a:tc>
+                <a:tc>
+                  <a:txBody>
+                    <a:bodyPr/>
+                    <a:lstStyle/>
+                    <a:p>
+                      <a:pPr algn="ctr" fontAlgn="b"/>
+                      <a:r>
+                        <a:rPr lang="en-US" sz="1100" u="none" strike="noStrike">
+                          <a:effectLst/>
+                        </a:rPr>
+                        <a:t>0.27</a:t>
+                      </a:r>
+                      <a:endParaRPr lang="en-US" sz="1100" b="0" i="0" u="none" strike="noStrike">
+                        <a:solidFill>
+                          <a:srgbClr val="000000"/>
+                        </a:solidFill>
+                        <a:effectLst/>
+                        <a:latin typeface="Calibri" panose="020F0502020204030204" pitchFamily="34" charset="0"/>
+                      </a:endParaRPr>
+                    </a:p>
+                  </a:txBody>
+                  <a:tcPr marL="5379" marR="5379" marT="5379" marB="0" anchor="b"/>
+                </a:tc>
+                <a:tc>
+                  <a:txBody>
+                    <a:bodyPr/>
+                    <a:lstStyle/>
+                    <a:p>
+                      <a:pPr algn="ctr" fontAlgn="b"/>
+                      <a:r>
+                        <a:rPr lang="en-US" sz="1100" u="none" strike="noStrike">
+                          <a:effectLst/>
+                        </a:rPr>
+                        <a:t>-0.09</a:t>
+                      </a:r>
+                      <a:endParaRPr lang="en-US" sz="1100" b="0" i="0" u="none" strike="noStrike">
+                        <a:solidFill>
+                          <a:srgbClr val="000000"/>
+                        </a:solidFill>
+                        <a:effectLst/>
+                        <a:latin typeface="Calibri" panose="020F0502020204030204" pitchFamily="34" charset="0"/>
+                      </a:endParaRPr>
+                    </a:p>
+                  </a:txBody>
+                  <a:tcPr marL="5379" marR="5379" marT="5379" marB="0" anchor="b"/>
+                </a:tc>
+                <a:extLst>
+                  <a:ext uri="{0D108BD9-81ED-4DB2-BD59-A6C34878D82A}">
+                    <a16:rowId xmlns:a16="http://schemas.microsoft.com/office/drawing/2014/main" val="196782710"/>
+                  </a:ext>
+                </a:extLst>
+              </a:tr>
+              <a:tr h="213721">
+                <a:tc>
+                  <a:txBody>
+                    <a:bodyPr/>
+                    <a:lstStyle/>
+                    <a:p>
+                      <a:pPr algn="l" fontAlgn="b"/>
+                      <a:r>
+                        <a:rPr lang="en-US" sz="1100" u="none" strike="noStrike">
+                          <a:effectLst/>
+                        </a:rPr>
+                        <a:t>bio6</a:t>
+                      </a:r>
+                      <a:endParaRPr lang="en-US" sz="1100" b="0" i="0" u="none" strike="noStrike">
+                        <a:solidFill>
+                          <a:srgbClr val="000000"/>
+                        </a:solidFill>
+                        <a:effectLst/>
+                        <a:latin typeface="Calibri" panose="020F0502020204030204" pitchFamily="34" charset="0"/>
+                      </a:endParaRPr>
+                    </a:p>
+                  </a:txBody>
+                  <a:tcPr marL="5379" marR="5379" marT="5379" marB="0" anchor="b"/>
+                </a:tc>
+                <a:tc>
+                  <a:txBody>
+                    <a:bodyPr/>
+                    <a:lstStyle/>
+                    <a:p>
+                      <a:pPr algn="ctr" fontAlgn="b"/>
+                      <a:r>
+                        <a:rPr lang="en-US" sz="1100" u="none" strike="noStrike">
+                          <a:effectLst/>
+                        </a:rPr>
+                        <a:t>0.26</a:t>
+                      </a:r>
+                      <a:endParaRPr lang="en-US" sz="1100" b="0" i="0" u="none" strike="noStrike">
+                        <a:solidFill>
+                          <a:srgbClr val="000000"/>
+                        </a:solidFill>
+                        <a:effectLst/>
+                        <a:latin typeface="Calibri" panose="020F0502020204030204" pitchFamily="34" charset="0"/>
+                      </a:endParaRPr>
+                    </a:p>
+                  </a:txBody>
+                  <a:tcPr marL="5379" marR="5379" marT="5379" marB="0" anchor="b"/>
+                </a:tc>
+                <a:tc>
+                  <a:txBody>
+                    <a:bodyPr/>
+                    <a:lstStyle/>
+                    <a:p>
+                      <a:pPr algn="ctr" fontAlgn="b"/>
+                      <a:r>
+                        <a:rPr lang="en-US" sz="1100" u="none" strike="noStrike">
+                          <a:effectLst/>
+                        </a:rPr>
+                        <a:t>-0.10</a:t>
+                      </a:r>
+                      <a:endParaRPr lang="en-US" sz="1100" b="0" i="0" u="none" strike="noStrike">
+                        <a:solidFill>
+                          <a:srgbClr val="000000"/>
+                        </a:solidFill>
+                        <a:effectLst/>
+                        <a:latin typeface="Calibri" panose="020F0502020204030204" pitchFamily="34" charset="0"/>
+                      </a:endParaRPr>
+                    </a:p>
+                  </a:txBody>
+                  <a:tcPr marL="5379" marR="5379" marT="5379" marB="0" anchor="b"/>
+                </a:tc>
+                <a:tc>
+                  <a:txBody>
+                    <a:bodyPr/>
+                    <a:lstStyle/>
+                    <a:p>
+                      <a:pPr algn="ctr" fontAlgn="b"/>
+                      <a:r>
+                        <a:rPr lang="en-US" sz="1100" u="none" strike="noStrike">
+                          <a:effectLst/>
+                        </a:rPr>
+                        <a:t>-0.16</a:t>
+                      </a:r>
+                      <a:endParaRPr lang="en-US" sz="1100" b="0" i="0" u="none" strike="noStrike">
+                        <a:solidFill>
+                          <a:srgbClr val="000000"/>
+                        </a:solidFill>
+                        <a:effectLst/>
+                        <a:latin typeface="Calibri" panose="020F0502020204030204" pitchFamily="34" charset="0"/>
+                      </a:endParaRPr>
+                    </a:p>
+                  </a:txBody>
+                  <a:tcPr marL="5379" marR="5379" marT="5379" marB="0" anchor="b"/>
+                </a:tc>
+                <a:extLst>
+                  <a:ext uri="{0D108BD9-81ED-4DB2-BD59-A6C34878D82A}">
+                    <a16:rowId xmlns:a16="http://schemas.microsoft.com/office/drawing/2014/main" val="2623292353"/>
+                  </a:ext>
+                </a:extLst>
+              </a:tr>
+              <a:tr h="213721">
+                <a:tc>
+                  <a:txBody>
+                    <a:bodyPr/>
+                    <a:lstStyle/>
+                    <a:p>
+                      <a:pPr algn="l" fontAlgn="b"/>
+                      <a:r>
+                        <a:rPr lang="en-US" sz="1100" u="none" strike="noStrike">
+                          <a:effectLst/>
+                        </a:rPr>
+                        <a:t>bio7</a:t>
+                      </a:r>
+                      <a:endParaRPr lang="en-US" sz="1100" b="0" i="0" u="none" strike="noStrike">
+                        <a:solidFill>
+                          <a:srgbClr val="000000"/>
+                        </a:solidFill>
+                        <a:effectLst/>
+                        <a:latin typeface="Calibri" panose="020F0502020204030204" pitchFamily="34" charset="0"/>
+                      </a:endParaRPr>
+                    </a:p>
+                  </a:txBody>
+                  <a:tcPr marL="5379" marR="5379" marT="5379" marB="0" anchor="b"/>
+                </a:tc>
+                <a:tc>
+                  <a:txBody>
+                    <a:bodyPr/>
+                    <a:lstStyle/>
+                    <a:p>
+                      <a:pPr algn="ctr" fontAlgn="b"/>
+                      <a:r>
+                        <a:rPr lang="en-US" sz="1100" u="none" strike="noStrike">
+                          <a:effectLst/>
+                        </a:rPr>
+                        <a:t>-0.26</a:t>
+                      </a:r>
+                      <a:endParaRPr lang="en-US" sz="1100" b="0" i="0" u="none" strike="noStrike">
+                        <a:solidFill>
+                          <a:srgbClr val="000000"/>
+                        </a:solidFill>
+                        <a:effectLst/>
+                        <a:latin typeface="Calibri" panose="020F0502020204030204" pitchFamily="34" charset="0"/>
+                      </a:endParaRPr>
+                    </a:p>
+                  </a:txBody>
+                  <a:tcPr marL="5379" marR="5379" marT="5379" marB="0" anchor="b"/>
+                </a:tc>
+                <a:tc>
+                  <a:txBody>
+                    <a:bodyPr/>
+                    <a:lstStyle/>
+                    <a:p>
+                      <a:pPr algn="ctr" fontAlgn="b"/>
+                      <a:r>
+                        <a:rPr lang="en-US" sz="1100" u="none" strike="noStrike">
+                          <a:effectLst/>
+                        </a:rPr>
+                        <a:t>0.16</a:t>
+                      </a:r>
+                      <a:endParaRPr lang="en-US" sz="1100" b="0" i="0" u="none" strike="noStrike">
+                        <a:solidFill>
+                          <a:srgbClr val="000000"/>
+                        </a:solidFill>
+                        <a:effectLst/>
+                        <a:latin typeface="Calibri" panose="020F0502020204030204" pitchFamily="34" charset="0"/>
+                      </a:endParaRPr>
+                    </a:p>
+                  </a:txBody>
+                  <a:tcPr marL="5379" marR="5379" marT="5379" marB="0" anchor="b"/>
+                </a:tc>
+                <a:tc>
+                  <a:txBody>
+                    <a:bodyPr/>
+                    <a:lstStyle/>
+                    <a:p>
+                      <a:pPr algn="ctr" fontAlgn="b"/>
+                      <a:r>
+                        <a:rPr lang="en-US" sz="1100" u="none" strike="noStrike">
+                          <a:effectLst/>
+                        </a:rPr>
+                        <a:t>0.16</a:t>
+                      </a:r>
+                      <a:endParaRPr lang="en-US" sz="1100" b="0" i="0" u="none" strike="noStrike">
+                        <a:solidFill>
+                          <a:srgbClr val="000000"/>
+                        </a:solidFill>
+                        <a:effectLst/>
+                        <a:latin typeface="Calibri" panose="020F0502020204030204" pitchFamily="34" charset="0"/>
+                      </a:endParaRPr>
+                    </a:p>
+                  </a:txBody>
+                  <a:tcPr marL="5379" marR="5379" marT="5379" marB="0" anchor="b"/>
+                </a:tc>
+                <a:extLst>
+                  <a:ext uri="{0D108BD9-81ED-4DB2-BD59-A6C34878D82A}">
+                    <a16:rowId xmlns:a16="http://schemas.microsoft.com/office/drawing/2014/main" val="547215421"/>
+                  </a:ext>
+                </a:extLst>
+              </a:tr>
+              <a:tr h="213721">
+                <a:tc>
+                  <a:txBody>
+                    <a:bodyPr/>
+                    <a:lstStyle/>
+                    <a:p>
+                      <a:pPr algn="l" fontAlgn="b"/>
+                      <a:r>
+                        <a:rPr lang="en-US" sz="1100" u="none" strike="noStrike">
+                          <a:effectLst/>
+                        </a:rPr>
+                        <a:t>bio8</a:t>
+                      </a:r>
+                      <a:endParaRPr lang="en-US" sz="1100" b="0" i="0" u="none" strike="noStrike">
+                        <a:solidFill>
+                          <a:srgbClr val="000000"/>
+                        </a:solidFill>
+                        <a:effectLst/>
+                        <a:latin typeface="Calibri" panose="020F0502020204030204" pitchFamily="34" charset="0"/>
+                      </a:endParaRPr>
+                    </a:p>
+                  </a:txBody>
+                  <a:tcPr marL="5379" marR="5379" marT="5379" marB="0" anchor="b"/>
+                </a:tc>
+                <a:tc>
+                  <a:txBody>
+                    <a:bodyPr/>
+                    <a:lstStyle/>
+                    <a:p>
+                      <a:pPr algn="ctr" fontAlgn="b"/>
+                      <a:r>
+                        <a:rPr lang="en-US" sz="1100" u="none" strike="noStrike">
+                          <a:effectLst/>
+                        </a:rPr>
+                        <a:t>0.22</a:t>
+                      </a:r>
+                      <a:endParaRPr lang="en-US" sz="1100" b="0" i="0" u="none" strike="noStrike">
+                        <a:solidFill>
+                          <a:srgbClr val="000000"/>
+                        </a:solidFill>
+                        <a:effectLst/>
+                        <a:latin typeface="Calibri" panose="020F0502020204030204" pitchFamily="34" charset="0"/>
+                      </a:endParaRPr>
+                    </a:p>
+                  </a:txBody>
+                  <a:tcPr marL="5379" marR="5379" marT="5379" marB="0" anchor="b"/>
+                </a:tc>
+                <a:tc>
+                  <a:txBody>
+                    <a:bodyPr/>
+                    <a:lstStyle/>
+                    <a:p>
+                      <a:pPr algn="ctr" fontAlgn="b"/>
+                      <a:r>
+                        <a:rPr lang="en-US" sz="1100" u="none" strike="noStrike">
+                          <a:effectLst/>
+                        </a:rPr>
+                        <a:t>0.07</a:t>
+                      </a:r>
+                      <a:endParaRPr lang="en-US" sz="1100" b="0" i="0" u="none" strike="noStrike">
+                        <a:solidFill>
+                          <a:srgbClr val="000000"/>
+                        </a:solidFill>
+                        <a:effectLst/>
+                        <a:latin typeface="Calibri" panose="020F0502020204030204" pitchFamily="34" charset="0"/>
+                      </a:endParaRPr>
+                    </a:p>
+                  </a:txBody>
+                  <a:tcPr marL="5379" marR="5379" marT="5379" marB="0" anchor="b"/>
+                </a:tc>
+                <a:tc>
+                  <a:txBody>
+                    <a:bodyPr/>
+                    <a:lstStyle/>
+                    <a:p>
+                      <a:pPr algn="ctr" fontAlgn="b"/>
+                      <a:r>
+                        <a:rPr lang="en-US" sz="1100" u="none" strike="noStrike">
+                          <a:effectLst/>
+                        </a:rPr>
+                        <a:t>-0.07</a:t>
+                      </a:r>
+                      <a:endParaRPr lang="en-US" sz="1100" b="0" i="0" u="none" strike="noStrike">
+                        <a:solidFill>
+                          <a:srgbClr val="000000"/>
+                        </a:solidFill>
+                        <a:effectLst/>
+                        <a:latin typeface="Calibri" panose="020F0502020204030204" pitchFamily="34" charset="0"/>
+                      </a:endParaRPr>
+                    </a:p>
+                  </a:txBody>
+                  <a:tcPr marL="5379" marR="5379" marT="5379" marB="0" anchor="b"/>
+                </a:tc>
+                <a:extLst>
+                  <a:ext uri="{0D108BD9-81ED-4DB2-BD59-A6C34878D82A}">
+                    <a16:rowId xmlns:a16="http://schemas.microsoft.com/office/drawing/2014/main" val="1905076728"/>
+                  </a:ext>
+                </a:extLst>
+              </a:tr>
+              <a:tr h="213721">
+                <a:tc>
+                  <a:txBody>
+                    <a:bodyPr/>
+                    <a:lstStyle/>
+                    <a:p>
+                      <a:pPr algn="l" fontAlgn="b"/>
+                      <a:r>
+                        <a:rPr lang="en-US" sz="1100" u="none" strike="noStrike">
+                          <a:effectLst/>
+                        </a:rPr>
+                        <a:t>bio9</a:t>
+                      </a:r>
+                      <a:endParaRPr lang="en-US" sz="1100" b="0" i="0" u="none" strike="noStrike">
+                        <a:solidFill>
+                          <a:srgbClr val="000000"/>
+                        </a:solidFill>
+                        <a:effectLst/>
+                        <a:latin typeface="Calibri" panose="020F0502020204030204" pitchFamily="34" charset="0"/>
+                      </a:endParaRPr>
+                    </a:p>
+                  </a:txBody>
+                  <a:tcPr marL="5379" marR="5379" marT="5379" marB="0" anchor="b"/>
+                </a:tc>
+                <a:tc>
+                  <a:txBody>
+                    <a:bodyPr/>
+                    <a:lstStyle/>
+                    <a:p>
+                      <a:pPr algn="ctr" fontAlgn="b"/>
+                      <a:r>
+                        <a:rPr lang="en-US" sz="1100" u="none" strike="noStrike">
+                          <a:effectLst/>
+                        </a:rPr>
+                        <a:t>0.26</a:t>
+                      </a:r>
+                      <a:endParaRPr lang="en-US" sz="1100" b="0" i="0" u="none" strike="noStrike">
+                        <a:solidFill>
+                          <a:srgbClr val="000000"/>
+                        </a:solidFill>
+                        <a:effectLst/>
+                        <a:latin typeface="Calibri" panose="020F0502020204030204" pitchFamily="34" charset="0"/>
+                      </a:endParaRPr>
+                    </a:p>
+                  </a:txBody>
+                  <a:tcPr marL="5379" marR="5379" marT="5379" marB="0" anchor="b"/>
+                </a:tc>
+                <a:tc>
+                  <a:txBody>
+                    <a:bodyPr/>
+                    <a:lstStyle/>
+                    <a:p>
+                      <a:pPr algn="ctr" fontAlgn="b"/>
+                      <a:r>
+                        <a:rPr lang="en-US" sz="1100" u="none" strike="noStrike">
+                          <a:effectLst/>
+                        </a:rPr>
+                        <a:t>-0.11</a:t>
+                      </a:r>
+                      <a:endParaRPr lang="en-US" sz="1100" b="0" i="0" u="none" strike="noStrike">
+                        <a:solidFill>
+                          <a:srgbClr val="000000"/>
+                        </a:solidFill>
+                        <a:effectLst/>
+                        <a:latin typeface="Calibri" panose="020F0502020204030204" pitchFamily="34" charset="0"/>
+                      </a:endParaRPr>
+                    </a:p>
+                  </a:txBody>
+                  <a:tcPr marL="5379" marR="5379" marT="5379" marB="0" anchor="b"/>
+                </a:tc>
+                <a:tc>
+                  <a:txBody>
+                    <a:bodyPr/>
+                    <a:lstStyle/>
+                    <a:p>
+                      <a:pPr algn="ctr" fontAlgn="b"/>
+                      <a:r>
+                        <a:rPr lang="en-US" sz="1100" u="none" strike="noStrike">
+                          <a:effectLst/>
+                        </a:rPr>
+                        <a:t>-0.12</a:t>
+                      </a:r>
+                      <a:endParaRPr lang="en-US" sz="1100" b="0" i="0" u="none" strike="noStrike">
+                        <a:solidFill>
+                          <a:srgbClr val="000000"/>
+                        </a:solidFill>
+                        <a:effectLst/>
+                        <a:latin typeface="Calibri" panose="020F0502020204030204" pitchFamily="34" charset="0"/>
+                      </a:endParaRPr>
+                    </a:p>
+                  </a:txBody>
+                  <a:tcPr marL="5379" marR="5379" marT="5379" marB="0" anchor="b"/>
+                </a:tc>
+                <a:extLst>
+                  <a:ext uri="{0D108BD9-81ED-4DB2-BD59-A6C34878D82A}">
+                    <a16:rowId xmlns:a16="http://schemas.microsoft.com/office/drawing/2014/main" val="2644346178"/>
+                  </a:ext>
+                </a:extLst>
+              </a:tr>
+              <a:tr h="213721">
+                <a:tc>
+                  <a:txBody>
+                    <a:bodyPr/>
+                    <a:lstStyle/>
+                    <a:p>
+                      <a:pPr algn="l" fontAlgn="b"/>
+                      <a:r>
+                        <a:rPr lang="en-US" sz="1100" u="none" strike="noStrike">
+                          <a:effectLst/>
+                        </a:rPr>
+                        <a:t>bio10</a:t>
+                      </a:r>
+                      <a:endParaRPr lang="en-US" sz="1100" b="0" i="0" u="none" strike="noStrike">
+                        <a:solidFill>
+                          <a:srgbClr val="000000"/>
+                        </a:solidFill>
+                        <a:effectLst/>
+                        <a:latin typeface="Calibri" panose="020F0502020204030204" pitchFamily="34" charset="0"/>
+                      </a:endParaRPr>
+                    </a:p>
+                  </a:txBody>
+                  <a:tcPr marL="5379" marR="5379" marT="5379" marB="0" anchor="b"/>
+                </a:tc>
+                <a:tc>
+                  <a:txBody>
+                    <a:bodyPr/>
+                    <a:lstStyle/>
+                    <a:p>
+                      <a:pPr algn="ctr" fontAlgn="b"/>
+                      <a:r>
+                        <a:rPr lang="en-US" sz="1100" u="none" strike="noStrike">
+                          <a:effectLst/>
+                        </a:rPr>
+                        <a:t>0.26</a:t>
+                      </a:r>
+                      <a:endParaRPr lang="en-US" sz="1100" b="0" i="0" u="none" strike="noStrike">
+                        <a:solidFill>
+                          <a:srgbClr val="000000"/>
+                        </a:solidFill>
+                        <a:effectLst/>
+                        <a:latin typeface="Calibri" panose="020F0502020204030204" pitchFamily="34" charset="0"/>
+                      </a:endParaRPr>
+                    </a:p>
+                  </a:txBody>
+                  <a:tcPr marL="5379" marR="5379" marT="5379" marB="0" anchor="b"/>
+                </a:tc>
+                <a:tc>
+                  <a:txBody>
+                    <a:bodyPr/>
+                    <a:lstStyle/>
+                    <a:p>
+                      <a:pPr algn="ctr" fontAlgn="b"/>
+                      <a:r>
+                        <a:rPr lang="en-US" sz="1100" u="none" strike="noStrike">
+                          <a:effectLst/>
+                        </a:rPr>
+                        <a:t>0.09</a:t>
+                      </a:r>
+                      <a:endParaRPr lang="en-US" sz="1100" b="0" i="0" u="none" strike="noStrike">
+                        <a:solidFill>
+                          <a:srgbClr val="000000"/>
+                        </a:solidFill>
+                        <a:effectLst/>
+                        <a:latin typeface="Calibri" panose="020F0502020204030204" pitchFamily="34" charset="0"/>
+                      </a:endParaRPr>
+                    </a:p>
+                  </a:txBody>
+                  <a:tcPr marL="5379" marR="5379" marT="5379" marB="0" anchor="b"/>
+                </a:tc>
+                <a:tc>
+                  <a:txBody>
+                    <a:bodyPr/>
+                    <a:lstStyle/>
+                    <a:p>
+                      <a:pPr algn="ctr" fontAlgn="b"/>
+                      <a:r>
+                        <a:rPr lang="en-US" sz="1100" u="none" strike="noStrike">
+                          <a:effectLst/>
+                        </a:rPr>
+                        <a:t>-0.14</a:t>
+                      </a:r>
+                      <a:endParaRPr lang="en-US" sz="1100" b="0" i="0" u="none" strike="noStrike">
+                        <a:solidFill>
+                          <a:srgbClr val="000000"/>
+                        </a:solidFill>
+                        <a:effectLst/>
+                        <a:latin typeface="Calibri" panose="020F0502020204030204" pitchFamily="34" charset="0"/>
+                      </a:endParaRPr>
+                    </a:p>
+                  </a:txBody>
+                  <a:tcPr marL="5379" marR="5379" marT="5379" marB="0" anchor="b"/>
+                </a:tc>
+                <a:extLst>
+                  <a:ext uri="{0D108BD9-81ED-4DB2-BD59-A6C34878D82A}">
+                    <a16:rowId xmlns:a16="http://schemas.microsoft.com/office/drawing/2014/main" val="711205078"/>
+                  </a:ext>
+                </a:extLst>
+              </a:tr>
+              <a:tr h="213721">
+                <a:tc>
+                  <a:txBody>
+                    <a:bodyPr/>
+                    <a:lstStyle/>
+                    <a:p>
+                      <a:pPr algn="l" fontAlgn="b"/>
+                      <a:r>
+                        <a:rPr lang="en-US" sz="1100" u="none" strike="noStrike">
+                          <a:effectLst/>
+                        </a:rPr>
+                        <a:t>bio11</a:t>
+                      </a:r>
+                      <a:endParaRPr lang="en-US" sz="1100" b="0" i="0" u="none" strike="noStrike">
+                        <a:solidFill>
+                          <a:srgbClr val="000000"/>
+                        </a:solidFill>
+                        <a:effectLst/>
+                        <a:latin typeface="Calibri" panose="020F0502020204030204" pitchFamily="34" charset="0"/>
+                      </a:endParaRPr>
+                    </a:p>
+                  </a:txBody>
+                  <a:tcPr marL="5379" marR="5379" marT="5379" marB="0" anchor="b"/>
+                </a:tc>
+                <a:tc>
+                  <a:txBody>
+                    <a:bodyPr/>
+                    <a:lstStyle/>
+                    <a:p>
+                      <a:pPr algn="ctr" fontAlgn="b"/>
+                      <a:r>
+                        <a:rPr lang="en-US" sz="1100" u="none" strike="noStrike">
+                          <a:effectLst/>
+                        </a:rPr>
+                        <a:t>0.26</a:t>
+                      </a:r>
+                      <a:endParaRPr lang="en-US" sz="1100" b="0" i="0" u="none" strike="noStrike">
+                        <a:solidFill>
+                          <a:srgbClr val="000000"/>
+                        </a:solidFill>
+                        <a:effectLst/>
+                        <a:latin typeface="Calibri" panose="020F0502020204030204" pitchFamily="34" charset="0"/>
+                      </a:endParaRPr>
+                    </a:p>
+                  </a:txBody>
+                  <a:tcPr marL="5379" marR="5379" marT="5379" marB="0" anchor="b"/>
+                </a:tc>
+                <a:tc>
+                  <a:txBody>
+                    <a:bodyPr/>
+                    <a:lstStyle/>
+                    <a:p>
+                      <a:pPr algn="ctr" fontAlgn="b"/>
+                      <a:r>
+                        <a:rPr lang="en-US" sz="1100" u="none" strike="noStrike">
+                          <a:effectLst/>
+                        </a:rPr>
+                        <a:t>-0.14</a:t>
+                      </a:r>
+                      <a:endParaRPr lang="en-US" sz="1100" b="0" i="0" u="none" strike="noStrike">
+                        <a:solidFill>
+                          <a:srgbClr val="000000"/>
+                        </a:solidFill>
+                        <a:effectLst/>
+                        <a:latin typeface="Calibri" panose="020F0502020204030204" pitchFamily="34" charset="0"/>
+                      </a:endParaRPr>
+                    </a:p>
+                  </a:txBody>
+                  <a:tcPr marL="5379" marR="5379" marT="5379" marB="0" anchor="b"/>
+                </a:tc>
+                <a:tc>
+                  <a:txBody>
+                    <a:bodyPr/>
+                    <a:lstStyle/>
+                    <a:p>
+                      <a:pPr algn="ctr" fontAlgn="b"/>
+                      <a:r>
+                        <a:rPr lang="en-US" sz="1100" u="none" strike="noStrike">
+                          <a:effectLst/>
+                        </a:rPr>
+                        <a:t>-0.14</a:t>
+                      </a:r>
+                      <a:endParaRPr lang="en-US" sz="1100" b="0" i="0" u="none" strike="noStrike">
+                        <a:solidFill>
+                          <a:srgbClr val="000000"/>
+                        </a:solidFill>
+                        <a:effectLst/>
+                        <a:latin typeface="Calibri" panose="020F0502020204030204" pitchFamily="34" charset="0"/>
+                      </a:endParaRPr>
+                    </a:p>
+                  </a:txBody>
+                  <a:tcPr marL="5379" marR="5379" marT="5379" marB="0" anchor="b"/>
+                </a:tc>
+                <a:extLst>
+                  <a:ext uri="{0D108BD9-81ED-4DB2-BD59-A6C34878D82A}">
+                    <a16:rowId xmlns:a16="http://schemas.microsoft.com/office/drawing/2014/main" val="1941833242"/>
+                  </a:ext>
+                </a:extLst>
+              </a:tr>
+              <a:tr h="213721">
+                <a:tc>
+                  <a:txBody>
+                    <a:bodyPr/>
+                    <a:lstStyle/>
+                    <a:p>
+                      <a:pPr algn="l" fontAlgn="b"/>
+                      <a:r>
+                        <a:rPr lang="en-US" sz="1100" u="none" strike="noStrike">
+                          <a:effectLst/>
+                        </a:rPr>
+                        <a:t>bio12</a:t>
+                      </a:r>
+                      <a:endParaRPr lang="en-US" sz="1100" b="0" i="0" u="none" strike="noStrike">
+                        <a:solidFill>
+                          <a:srgbClr val="000000"/>
+                        </a:solidFill>
+                        <a:effectLst/>
+                        <a:latin typeface="Calibri" panose="020F0502020204030204" pitchFamily="34" charset="0"/>
+                      </a:endParaRPr>
+                    </a:p>
+                  </a:txBody>
+                  <a:tcPr marL="5379" marR="5379" marT="5379" marB="0" anchor="b"/>
+                </a:tc>
+                <a:tc>
+                  <a:txBody>
+                    <a:bodyPr/>
+                    <a:lstStyle/>
+                    <a:p>
+                      <a:pPr algn="ctr" fontAlgn="b"/>
+                      <a:r>
+                        <a:rPr lang="en-US" sz="1100" u="none" strike="noStrike">
+                          <a:effectLst/>
+                        </a:rPr>
+                        <a:t>0.26</a:t>
+                      </a:r>
+                      <a:endParaRPr lang="en-US" sz="1100" b="0" i="0" u="none" strike="noStrike">
+                        <a:solidFill>
+                          <a:srgbClr val="000000"/>
+                        </a:solidFill>
+                        <a:effectLst/>
+                        <a:latin typeface="Calibri" panose="020F0502020204030204" pitchFamily="34" charset="0"/>
+                      </a:endParaRPr>
+                    </a:p>
+                  </a:txBody>
+                  <a:tcPr marL="5379" marR="5379" marT="5379" marB="0" anchor="b"/>
+                </a:tc>
+                <a:tc>
+                  <a:txBody>
+                    <a:bodyPr/>
+                    <a:lstStyle/>
+                    <a:p>
+                      <a:pPr algn="ctr" fontAlgn="b"/>
+                      <a:r>
+                        <a:rPr lang="en-US" sz="1100" u="none" strike="noStrike">
+                          <a:effectLst/>
+                        </a:rPr>
+                        <a:t>-0.01</a:t>
+                      </a:r>
+                      <a:endParaRPr lang="en-US" sz="1100" b="0" i="0" u="none" strike="noStrike">
+                        <a:solidFill>
+                          <a:srgbClr val="000000"/>
+                        </a:solidFill>
+                        <a:effectLst/>
+                        <a:latin typeface="Calibri" panose="020F0502020204030204" pitchFamily="34" charset="0"/>
+                      </a:endParaRPr>
+                    </a:p>
+                  </a:txBody>
+                  <a:tcPr marL="5379" marR="5379" marT="5379" marB="0" anchor="b"/>
+                </a:tc>
+                <a:tc>
+                  <a:txBody>
+                    <a:bodyPr/>
+                    <a:lstStyle/>
+                    <a:p>
+                      <a:pPr algn="ctr" fontAlgn="b"/>
+                      <a:r>
+                        <a:rPr lang="en-US" sz="1100" u="none" strike="noStrike">
+                          <a:effectLst/>
+                        </a:rPr>
+                        <a:t>0.25</a:t>
+                      </a:r>
+                      <a:endParaRPr lang="en-US" sz="1100" b="0" i="0" u="none" strike="noStrike">
+                        <a:solidFill>
+                          <a:srgbClr val="000000"/>
+                        </a:solidFill>
+                        <a:effectLst/>
+                        <a:latin typeface="Calibri" panose="020F0502020204030204" pitchFamily="34" charset="0"/>
+                      </a:endParaRPr>
+                    </a:p>
+                  </a:txBody>
+                  <a:tcPr marL="5379" marR="5379" marT="5379" marB="0" anchor="b"/>
+                </a:tc>
+                <a:extLst>
+                  <a:ext uri="{0D108BD9-81ED-4DB2-BD59-A6C34878D82A}">
+                    <a16:rowId xmlns:a16="http://schemas.microsoft.com/office/drawing/2014/main" val="1437699609"/>
+                  </a:ext>
+                </a:extLst>
+              </a:tr>
+              <a:tr h="213721">
+                <a:tc>
+                  <a:txBody>
+                    <a:bodyPr/>
+                    <a:lstStyle/>
+                    <a:p>
+                      <a:pPr algn="l" fontAlgn="b"/>
+                      <a:r>
+                        <a:rPr lang="en-US" sz="1100" u="none" strike="noStrike">
+                          <a:effectLst/>
+                        </a:rPr>
+                        <a:t>bio13</a:t>
+                      </a:r>
+                      <a:endParaRPr lang="en-US" sz="1100" b="0" i="0" u="none" strike="noStrike">
+                        <a:solidFill>
+                          <a:srgbClr val="000000"/>
+                        </a:solidFill>
+                        <a:effectLst/>
+                        <a:latin typeface="Calibri" panose="020F0502020204030204" pitchFamily="34" charset="0"/>
+                      </a:endParaRPr>
+                    </a:p>
+                  </a:txBody>
+                  <a:tcPr marL="5379" marR="5379" marT="5379" marB="0" anchor="b"/>
+                </a:tc>
+                <a:tc>
+                  <a:txBody>
+                    <a:bodyPr/>
+                    <a:lstStyle/>
+                    <a:p>
+                      <a:pPr algn="ctr" fontAlgn="b"/>
+                      <a:r>
+                        <a:rPr lang="en-US" sz="1100" u="none" strike="noStrike">
+                          <a:effectLst/>
+                        </a:rPr>
+                        <a:t>0.20</a:t>
+                      </a:r>
+                      <a:endParaRPr lang="en-US" sz="1100" b="0" i="0" u="none" strike="noStrike">
+                        <a:solidFill>
+                          <a:srgbClr val="000000"/>
+                        </a:solidFill>
+                        <a:effectLst/>
+                        <a:latin typeface="Calibri" panose="020F0502020204030204" pitchFamily="34" charset="0"/>
+                      </a:endParaRPr>
+                    </a:p>
+                  </a:txBody>
+                  <a:tcPr marL="5379" marR="5379" marT="5379" marB="0" anchor="b"/>
+                </a:tc>
+                <a:tc>
+                  <a:txBody>
+                    <a:bodyPr/>
+                    <a:lstStyle/>
+                    <a:p>
+                      <a:pPr algn="ctr" fontAlgn="b"/>
+                      <a:r>
+                        <a:rPr lang="en-US" sz="1100" u="none" strike="noStrike">
+                          <a:effectLst/>
+                        </a:rPr>
+                        <a:t>-0.26</a:t>
+                      </a:r>
+                      <a:endParaRPr lang="en-US" sz="1100" b="0" i="0" u="none" strike="noStrike">
+                        <a:solidFill>
+                          <a:srgbClr val="000000"/>
+                        </a:solidFill>
+                        <a:effectLst/>
+                        <a:latin typeface="Calibri" panose="020F0502020204030204" pitchFamily="34" charset="0"/>
+                      </a:endParaRPr>
+                    </a:p>
+                  </a:txBody>
+                  <a:tcPr marL="5379" marR="5379" marT="5379" marB="0" anchor="b"/>
+                </a:tc>
+                <a:tc>
+                  <a:txBody>
+                    <a:bodyPr/>
+                    <a:lstStyle/>
+                    <a:p>
+                      <a:pPr algn="ctr" fontAlgn="b"/>
+                      <a:r>
+                        <a:rPr lang="en-US" sz="1100" u="none" strike="noStrike">
+                          <a:effectLst/>
+                        </a:rPr>
+                        <a:t>0.38</a:t>
+                      </a:r>
+                      <a:endParaRPr lang="en-US" sz="1100" b="0" i="0" u="none" strike="noStrike">
+                        <a:solidFill>
+                          <a:srgbClr val="000000"/>
+                        </a:solidFill>
+                        <a:effectLst/>
+                        <a:latin typeface="Calibri" panose="020F0502020204030204" pitchFamily="34" charset="0"/>
+                      </a:endParaRPr>
+                    </a:p>
+                  </a:txBody>
+                  <a:tcPr marL="5379" marR="5379" marT="5379" marB="0" anchor="b"/>
+                </a:tc>
+                <a:extLst>
+                  <a:ext uri="{0D108BD9-81ED-4DB2-BD59-A6C34878D82A}">
+                    <a16:rowId xmlns:a16="http://schemas.microsoft.com/office/drawing/2014/main" val="2658677719"/>
+                  </a:ext>
+                </a:extLst>
+              </a:tr>
+              <a:tr h="213721">
+                <a:tc>
+                  <a:txBody>
+                    <a:bodyPr/>
+                    <a:lstStyle/>
+                    <a:p>
+                      <a:pPr algn="l" fontAlgn="b"/>
+                      <a:r>
+                        <a:rPr lang="en-US" sz="1100" u="none" strike="noStrike">
+                          <a:effectLst/>
+                        </a:rPr>
+                        <a:t>bio14</a:t>
+                      </a:r>
+                      <a:endParaRPr lang="en-US" sz="1100" b="0" i="0" u="none" strike="noStrike">
+                        <a:solidFill>
+                          <a:srgbClr val="000000"/>
+                        </a:solidFill>
+                        <a:effectLst/>
+                        <a:latin typeface="Calibri" panose="020F0502020204030204" pitchFamily="34" charset="0"/>
+                      </a:endParaRPr>
+                    </a:p>
+                  </a:txBody>
+                  <a:tcPr marL="5379" marR="5379" marT="5379" marB="0" anchor="b"/>
+                </a:tc>
+                <a:tc>
+                  <a:txBody>
+                    <a:bodyPr/>
+                    <a:lstStyle/>
+                    <a:p>
+                      <a:pPr algn="ctr" fontAlgn="b"/>
+                      <a:r>
+                        <a:rPr lang="en-US" sz="1100" u="none" strike="noStrike">
+                          <a:effectLst/>
+                        </a:rPr>
+                        <a:t>0.19</a:t>
+                      </a:r>
+                      <a:endParaRPr lang="en-US" sz="1100" b="0" i="0" u="none" strike="noStrike">
+                        <a:solidFill>
+                          <a:srgbClr val="000000"/>
+                        </a:solidFill>
+                        <a:effectLst/>
+                        <a:latin typeface="Calibri" panose="020F0502020204030204" pitchFamily="34" charset="0"/>
+                      </a:endParaRPr>
+                    </a:p>
+                  </a:txBody>
+                  <a:tcPr marL="5379" marR="5379" marT="5379" marB="0" anchor="b"/>
+                </a:tc>
+                <a:tc>
+                  <a:txBody>
+                    <a:bodyPr/>
+                    <a:lstStyle/>
+                    <a:p>
+                      <a:pPr algn="ctr" fontAlgn="b"/>
+                      <a:r>
+                        <a:rPr lang="en-US" sz="1100" u="none" strike="noStrike">
+                          <a:effectLst/>
+                        </a:rPr>
+                        <a:t>0.38</a:t>
+                      </a:r>
+                      <a:endParaRPr lang="en-US" sz="1100" b="0" i="0" u="none" strike="noStrike">
+                        <a:solidFill>
+                          <a:srgbClr val="000000"/>
+                        </a:solidFill>
+                        <a:effectLst/>
+                        <a:latin typeface="Calibri" panose="020F0502020204030204" pitchFamily="34" charset="0"/>
+                      </a:endParaRPr>
+                    </a:p>
+                  </a:txBody>
+                  <a:tcPr marL="5379" marR="5379" marT="5379" marB="0" anchor="b"/>
+                </a:tc>
+                <a:tc>
+                  <a:txBody>
+                    <a:bodyPr/>
+                    <a:lstStyle/>
+                    <a:p>
+                      <a:pPr algn="ctr" fontAlgn="b"/>
+                      <a:r>
+                        <a:rPr lang="en-US" sz="1100" u="none" strike="noStrike">
+                          <a:effectLst/>
+                        </a:rPr>
+                        <a:t>0.04</a:t>
+                      </a:r>
+                      <a:endParaRPr lang="en-US" sz="1100" b="0" i="0" u="none" strike="noStrike">
+                        <a:solidFill>
+                          <a:srgbClr val="000000"/>
+                        </a:solidFill>
+                        <a:effectLst/>
+                        <a:latin typeface="Calibri" panose="020F0502020204030204" pitchFamily="34" charset="0"/>
+                      </a:endParaRPr>
+                    </a:p>
+                  </a:txBody>
+                  <a:tcPr marL="5379" marR="5379" marT="5379" marB="0" anchor="b"/>
+                </a:tc>
+                <a:extLst>
+                  <a:ext uri="{0D108BD9-81ED-4DB2-BD59-A6C34878D82A}">
+                    <a16:rowId xmlns:a16="http://schemas.microsoft.com/office/drawing/2014/main" val="1093705070"/>
+                  </a:ext>
+                </a:extLst>
+              </a:tr>
+              <a:tr h="213721">
+                <a:tc>
+                  <a:txBody>
+                    <a:bodyPr/>
+                    <a:lstStyle/>
+                    <a:p>
+                      <a:pPr algn="l" fontAlgn="b"/>
+                      <a:r>
+                        <a:rPr lang="en-US" sz="1100" u="none" strike="noStrike">
+                          <a:effectLst/>
+                        </a:rPr>
+                        <a:t>bio15</a:t>
+                      </a:r>
+                      <a:endParaRPr lang="en-US" sz="1100" b="0" i="0" u="none" strike="noStrike">
+                        <a:solidFill>
+                          <a:srgbClr val="000000"/>
+                        </a:solidFill>
+                        <a:effectLst/>
+                        <a:latin typeface="Calibri" panose="020F0502020204030204" pitchFamily="34" charset="0"/>
+                      </a:endParaRPr>
+                    </a:p>
+                  </a:txBody>
+                  <a:tcPr marL="5379" marR="5379" marT="5379" marB="0" anchor="b"/>
+                </a:tc>
+                <a:tc>
+                  <a:txBody>
+                    <a:bodyPr/>
+                    <a:lstStyle/>
+                    <a:p>
+                      <a:pPr algn="ctr" fontAlgn="b"/>
+                      <a:r>
+                        <a:rPr lang="en-US" sz="1100" u="none" strike="noStrike">
+                          <a:effectLst/>
+                        </a:rPr>
+                        <a:t>-0.19</a:t>
+                      </a:r>
+                      <a:endParaRPr lang="en-US" sz="1100" b="0" i="0" u="none" strike="noStrike">
+                        <a:solidFill>
+                          <a:srgbClr val="000000"/>
+                        </a:solidFill>
+                        <a:effectLst/>
+                        <a:latin typeface="Calibri" panose="020F0502020204030204" pitchFamily="34" charset="0"/>
+                      </a:endParaRPr>
+                    </a:p>
+                  </a:txBody>
+                  <a:tcPr marL="5379" marR="5379" marT="5379" marB="0" anchor="b"/>
+                </a:tc>
+                <a:tc>
+                  <a:txBody>
+                    <a:bodyPr/>
+                    <a:lstStyle/>
+                    <a:p>
+                      <a:pPr algn="ctr" fontAlgn="b"/>
+                      <a:r>
+                        <a:rPr lang="en-US" sz="1100" u="none" strike="noStrike">
+                          <a:effectLst/>
+                        </a:rPr>
+                        <a:t>-0.33</a:t>
+                      </a:r>
+                      <a:endParaRPr lang="en-US" sz="1100" b="0" i="0" u="none" strike="noStrike">
+                        <a:solidFill>
+                          <a:srgbClr val="000000"/>
+                        </a:solidFill>
+                        <a:effectLst/>
+                        <a:latin typeface="Calibri" panose="020F0502020204030204" pitchFamily="34" charset="0"/>
+                      </a:endParaRPr>
+                    </a:p>
+                  </a:txBody>
+                  <a:tcPr marL="5379" marR="5379" marT="5379" marB="0" anchor="b"/>
+                </a:tc>
+                <a:tc>
+                  <a:txBody>
+                    <a:bodyPr/>
+                    <a:lstStyle/>
+                    <a:p>
+                      <a:pPr algn="ctr" fontAlgn="b"/>
+                      <a:r>
+                        <a:rPr lang="en-US" sz="1100" u="none" strike="noStrike">
+                          <a:effectLst/>
+                        </a:rPr>
+                        <a:t>0.14</a:t>
+                      </a:r>
+                      <a:endParaRPr lang="en-US" sz="1100" b="0" i="0" u="none" strike="noStrike">
+                        <a:solidFill>
+                          <a:srgbClr val="000000"/>
+                        </a:solidFill>
+                        <a:effectLst/>
+                        <a:latin typeface="Calibri" panose="020F0502020204030204" pitchFamily="34" charset="0"/>
+                      </a:endParaRPr>
+                    </a:p>
+                  </a:txBody>
+                  <a:tcPr marL="5379" marR="5379" marT="5379" marB="0" anchor="b"/>
+                </a:tc>
+                <a:extLst>
+                  <a:ext uri="{0D108BD9-81ED-4DB2-BD59-A6C34878D82A}">
+                    <a16:rowId xmlns:a16="http://schemas.microsoft.com/office/drawing/2014/main" val="2543075012"/>
+                  </a:ext>
+                </a:extLst>
+              </a:tr>
+              <a:tr h="213721">
+                <a:tc>
+                  <a:txBody>
+                    <a:bodyPr/>
+                    <a:lstStyle/>
+                    <a:p>
+                      <a:pPr algn="l" fontAlgn="b"/>
+                      <a:r>
+                        <a:rPr lang="en-US" sz="1100" u="none" strike="noStrike">
+                          <a:effectLst/>
+                        </a:rPr>
+                        <a:t>bio16</a:t>
+                      </a:r>
+                      <a:endParaRPr lang="en-US" sz="1100" b="0" i="0" u="none" strike="noStrike">
+                        <a:solidFill>
+                          <a:srgbClr val="000000"/>
+                        </a:solidFill>
+                        <a:effectLst/>
+                        <a:latin typeface="Calibri" panose="020F0502020204030204" pitchFamily="34" charset="0"/>
+                      </a:endParaRPr>
+                    </a:p>
+                  </a:txBody>
+                  <a:tcPr marL="5379" marR="5379" marT="5379" marB="0" anchor="b"/>
+                </a:tc>
+                <a:tc>
+                  <a:txBody>
+                    <a:bodyPr/>
+                    <a:lstStyle/>
+                    <a:p>
+                      <a:pPr algn="ctr" fontAlgn="b"/>
+                      <a:r>
+                        <a:rPr lang="en-US" sz="1100" u="none" strike="noStrike">
+                          <a:effectLst/>
+                        </a:rPr>
+                        <a:t>0.23</a:t>
+                      </a:r>
+                      <a:endParaRPr lang="en-US" sz="1100" b="0" i="0" u="none" strike="noStrike">
+                        <a:solidFill>
+                          <a:srgbClr val="000000"/>
+                        </a:solidFill>
+                        <a:effectLst/>
+                        <a:latin typeface="Calibri" panose="020F0502020204030204" pitchFamily="34" charset="0"/>
+                      </a:endParaRPr>
+                    </a:p>
+                  </a:txBody>
+                  <a:tcPr marL="5379" marR="5379" marT="5379" marB="0" anchor="b"/>
+                </a:tc>
+                <a:tc>
+                  <a:txBody>
+                    <a:bodyPr/>
+                    <a:lstStyle/>
+                    <a:p>
+                      <a:pPr algn="ctr" fontAlgn="b"/>
+                      <a:r>
+                        <a:rPr lang="en-US" sz="1100" u="none" strike="noStrike">
+                          <a:effectLst/>
+                        </a:rPr>
+                        <a:t>-0.22</a:t>
+                      </a:r>
+                      <a:endParaRPr lang="en-US" sz="1100" b="0" i="0" u="none" strike="noStrike">
+                        <a:solidFill>
+                          <a:srgbClr val="000000"/>
+                        </a:solidFill>
+                        <a:effectLst/>
+                        <a:latin typeface="Calibri" panose="020F0502020204030204" pitchFamily="34" charset="0"/>
+                      </a:endParaRPr>
+                    </a:p>
+                  </a:txBody>
+                  <a:tcPr marL="5379" marR="5379" marT="5379" marB="0" anchor="b"/>
+                </a:tc>
+                <a:tc>
+                  <a:txBody>
+                    <a:bodyPr/>
+                    <a:lstStyle/>
+                    <a:p>
+                      <a:pPr algn="ctr" fontAlgn="b"/>
+                      <a:r>
+                        <a:rPr lang="en-US" sz="1100" u="none" strike="noStrike">
+                          <a:effectLst/>
+                        </a:rPr>
+                        <a:t>0.32</a:t>
+                      </a:r>
+                      <a:endParaRPr lang="en-US" sz="1100" b="0" i="0" u="none" strike="noStrike">
+                        <a:solidFill>
+                          <a:srgbClr val="000000"/>
+                        </a:solidFill>
+                        <a:effectLst/>
+                        <a:latin typeface="Calibri" panose="020F0502020204030204" pitchFamily="34" charset="0"/>
+                      </a:endParaRPr>
+                    </a:p>
+                  </a:txBody>
+                  <a:tcPr marL="5379" marR="5379" marT="5379" marB="0" anchor="b"/>
+                </a:tc>
+                <a:extLst>
+                  <a:ext uri="{0D108BD9-81ED-4DB2-BD59-A6C34878D82A}">
+                    <a16:rowId xmlns:a16="http://schemas.microsoft.com/office/drawing/2014/main" val="1878264593"/>
+                  </a:ext>
+                </a:extLst>
+              </a:tr>
+              <a:tr h="213721">
+                <a:tc>
+                  <a:txBody>
+                    <a:bodyPr/>
+                    <a:lstStyle/>
+                    <a:p>
+                      <a:pPr algn="l" fontAlgn="b"/>
+                      <a:r>
+                        <a:rPr lang="en-US" sz="1100" u="none" strike="noStrike">
+                          <a:effectLst/>
+                        </a:rPr>
+                        <a:t>bio17</a:t>
+                      </a:r>
+                      <a:endParaRPr lang="en-US" sz="1100" b="0" i="0" u="none" strike="noStrike">
+                        <a:solidFill>
+                          <a:srgbClr val="000000"/>
+                        </a:solidFill>
+                        <a:effectLst/>
+                        <a:latin typeface="Calibri" panose="020F0502020204030204" pitchFamily="34" charset="0"/>
+                      </a:endParaRPr>
+                    </a:p>
+                  </a:txBody>
+                  <a:tcPr marL="5379" marR="5379" marT="5379" marB="0" anchor="b"/>
+                </a:tc>
+                <a:tc>
+                  <a:txBody>
+                    <a:bodyPr/>
+                    <a:lstStyle/>
+                    <a:p>
+                      <a:pPr algn="ctr" fontAlgn="b"/>
+                      <a:r>
+                        <a:rPr lang="en-US" sz="1100" u="none" strike="noStrike">
+                          <a:effectLst/>
+                        </a:rPr>
+                        <a:t>0.19</a:t>
+                      </a:r>
+                      <a:endParaRPr lang="en-US" sz="1100" b="0" i="0" u="none" strike="noStrike">
+                        <a:solidFill>
+                          <a:srgbClr val="000000"/>
+                        </a:solidFill>
+                        <a:effectLst/>
+                        <a:latin typeface="Calibri" panose="020F0502020204030204" pitchFamily="34" charset="0"/>
+                      </a:endParaRPr>
+                    </a:p>
+                  </a:txBody>
+                  <a:tcPr marL="5379" marR="5379" marT="5379" marB="0" anchor="b"/>
+                </a:tc>
+                <a:tc>
+                  <a:txBody>
+                    <a:bodyPr/>
+                    <a:lstStyle/>
+                    <a:p>
+                      <a:pPr algn="ctr" fontAlgn="b"/>
+                      <a:r>
+                        <a:rPr lang="en-US" sz="1100" u="none" strike="noStrike">
+                          <a:effectLst/>
+                        </a:rPr>
+                        <a:t>0.38</a:t>
+                      </a:r>
+                      <a:endParaRPr lang="en-US" sz="1100" b="0" i="0" u="none" strike="noStrike">
+                        <a:solidFill>
+                          <a:srgbClr val="000000"/>
+                        </a:solidFill>
+                        <a:effectLst/>
+                        <a:latin typeface="Calibri" panose="020F0502020204030204" pitchFamily="34" charset="0"/>
+                      </a:endParaRPr>
+                    </a:p>
+                  </a:txBody>
+                  <a:tcPr marL="5379" marR="5379" marT="5379" marB="0" anchor="b"/>
+                </a:tc>
+                <a:tc>
+                  <a:txBody>
+                    <a:bodyPr/>
+                    <a:lstStyle/>
+                    <a:p>
+                      <a:pPr algn="ctr" fontAlgn="b"/>
+                      <a:r>
+                        <a:rPr lang="en-US" sz="1100" u="none" strike="noStrike">
+                          <a:effectLst/>
+                        </a:rPr>
+                        <a:t>0.08</a:t>
+                      </a:r>
+                      <a:endParaRPr lang="en-US" sz="1100" b="0" i="0" u="none" strike="noStrike">
+                        <a:solidFill>
+                          <a:srgbClr val="000000"/>
+                        </a:solidFill>
+                        <a:effectLst/>
+                        <a:latin typeface="Calibri" panose="020F0502020204030204" pitchFamily="34" charset="0"/>
+                      </a:endParaRPr>
+                    </a:p>
+                  </a:txBody>
+                  <a:tcPr marL="5379" marR="5379" marT="5379" marB="0" anchor="b"/>
+                </a:tc>
+                <a:extLst>
+                  <a:ext uri="{0D108BD9-81ED-4DB2-BD59-A6C34878D82A}">
+                    <a16:rowId xmlns:a16="http://schemas.microsoft.com/office/drawing/2014/main" val="2825552901"/>
+                  </a:ext>
+                </a:extLst>
+              </a:tr>
+              <a:tr h="213721">
+                <a:tc>
+                  <a:txBody>
+                    <a:bodyPr/>
+                    <a:lstStyle/>
+                    <a:p>
+                      <a:pPr algn="l" fontAlgn="b"/>
+                      <a:r>
+                        <a:rPr lang="en-US" sz="1100" u="none" strike="noStrike">
+                          <a:effectLst/>
+                        </a:rPr>
+                        <a:t>bio18</a:t>
+                      </a:r>
+                      <a:endParaRPr lang="en-US" sz="1100" b="0" i="0" u="none" strike="noStrike">
+                        <a:solidFill>
+                          <a:srgbClr val="000000"/>
+                        </a:solidFill>
+                        <a:effectLst/>
+                        <a:latin typeface="Calibri" panose="020F0502020204030204" pitchFamily="34" charset="0"/>
+                      </a:endParaRPr>
+                    </a:p>
+                  </a:txBody>
+                  <a:tcPr marL="5379" marR="5379" marT="5379" marB="0" anchor="b"/>
+                </a:tc>
+                <a:tc>
+                  <a:txBody>
+                    <a:bodyPr/>
+                    <a:lstStyle/>
+                    <a:p>
+                      <a:pPr algn="ctr" fontAlgn="b"/>
+                      <a:r>
+                        <a:rPr lang="en-US" sz="1100" u="none" strike="noStrike">
+                          <a:effectLst/>
+                        </a:rPr>
+                        <a:t>0.19</a:t>
+                      </a:r>
+                      <a:endParaRPr lang="en-US" sz="1100" b="0" i="0" u="none" strike="noStrike">
+                        <a:solidFill>
+                          <a:srgbClr val="000000"/>
+                        </a:solidFill>
+                        <a:effectLst/>
+                        <a:latin typeface="Calibri" panose="020F0502020204030204" pitchFamily="34" charset="0"/>
+                      </a:endParaRPr>
+                    </a:p>
+                  </a:txBody>
+                  <a:tcPr marL="5379" marR="5379" marT="5379" marB="0" anchor="b"/>
+                </a:tc>
+                <a:tc>
+                  <a:txBody>
+                    <a:bodyPr/>
+                    <a:lstStyle/>
+                    <a:p>
+                      <a:pPr algn="ctr" fontAlgn="b"/>
+                      <a:r>
+                        <a:rPr lang="en-US" sz="1100" u="none" strike="noStrike">
+                          <a:effectLst/>
+                        </a:rPr>
+                        <a:t>-0.05</a:t>
+                      </a:r>
+                      <a:endParaRPr lang="en-US" sz="1100" b="0" i="0" u="none" strike="noStrike">
+                        <a:solidFill>
+                          <a:srgbClr val="000000"/>
+                        </a:solidFill>
+                        <a:effectLst/>
+                        <a:latin typeface="Calibri" panose="020F0502020204030204" pitchFamily="34" charset="0"/>
+                      </a:endParaRPr>
+                    </a:p>
+                  </a:txBody>
+                  <a:tcPr marL="5379" marR="5379" marT="5379" marB="0" anchor="b"/>
+                </a:tc>
+                <a:tc>
+                  <a:txBody>
+                    <a:bodyPr/>
+                    <a:lstStyle/>
+                    <a:p>
+                      <a:pPr algn="ctr" fontAlgn="b"/>
+                      <a:r>
+                        <a:rPr lang="en-US" sz="1100" u="none" strike="noStrike">
+                          <a:effectLst/>
+                        </a:rPr>
+                        <a:t>0.61</a:t>
+                      </a:r>
+                      <a:endParaRPr lang="en-US" sz="1100" b="0" i="0" u="none" strike="noStrike">
+                        <a:solidFill>
+                          <a:srgbClr val="000000"/>
+                        </a:solidFill>
+                        <a:effectLst/>
+                        <a:latin typeface="Calibri" panose="020F0502020204030204" pitchFamily="34" charset="0"/>
+                      </a:endParaRPr>
+                    </a:p>
+                  </a:txBody>
+                  <a:tcPr marL="5379" marR="5379" marT="5379" marB="0" anchor="b"/>
+                </a:tc>
+                <a:extLst>
+                  <a:ext uri="{0D108BD9-81ED-4DB2-BD59-A6C34878D82A}">
+                    <a16:rowId xmlns:a16="http://schemas.microsoft.com/office/drawing/2014/main" val="2071802410"/>
+                  </a:ext>
+                </a:extLst>
+              </a:tr>
+              <a:tr h="213721">
+                <a:tc>
+                  <a:txBody>
+                    <a:bodyPr/>
+                    <a:lstStyle/>
+                    <a:p>
+                      <a:pPr algn="l" fontAlgn="b"/>
+                      <a:r>
+                        <a:rPr lang="en-US" sz="1100" u="none" strike="noStrike">
+                          <a:effectLst/>
+                        </a:rPr>
+                        <a:t>bio19</a:t>
+                      </a:r>
+                      <a:endParaRPr lang="en-US" sz="1100" b="0" i="0" u="none" strike="noStrike">
+                        <a:solidFill>
+                          <a:srgbClr val="000000"/>
+                        </a:solidFill>
+                        <a:effectLst/>
+                        <a:latin typeface="Calibri" panose="020F0502020204030204" pitchFamily="34" charset="0"/>
+                      </a:endParaRPr>
+                    </a:p>
+                  </a:txBody>
+                  <a:tcPr marL="5379" marR="5379" marT="5379" marB="0" anchor="b"/>
+                </a:tc>
+                <a:tc>
+                  <a:txBody>
+                    <a:bodyPr/>
+                    <a:lstStyle/>
+                    <a:p>
+                      <a:pPr algn="ctr" fontAlgn="b"/>
+                      <a:r>
+                        <a:rPr lang="en-US" sz="1100" u="none" strike="noStrike">
+                          <a:effectLst/>
+                        </a:rPr>
+                        <a:t>0.21</a:t>
+                      </a:r>
+                      <a:endParaRPr lang="en-US" sz="1100" b="0" i="0" u="none" strike="noStrike">
+                        <a:solidFill>
+                          <a:srgbClr val="000000"/>
+                        </a:solidFill>
+                        <a:effectLst/>
+                        <a:latin typeface="Calibri" panose="020F0502020204030204" pitchFamily="34" charset="0"/>
+                      </a:endParaRPr>
+                    </a:p>
+                  </a:txBody>
+                  <a:tcPr marL="5379" marR="5379" marT="5379" marB="0" anchor="b"/>
+                </a:tc>
+                <a:tc>
+                  <a:txBody>
+                    <a:bodyPr/>
+                    <a:lstStyle/>
+                    <a:p>
+                      <a:pPr algn="ctr" fontAlgn="b"/>
+                      <a:r>
+                        <a:rPr lang="en-US" sz="1100" u="none" strike="noStrike">
+                          <a:effectLst/>
+                        </a:rPr>
+                        <a:t>0.32</a:t>
+                      </a:r>
+                      <a:endParaRPr lang="en-US" sz="1100" b="0" i="0" u="none" strike="noStrike">
+                        <a:solidFill>
+                          <a:srgbClr val="000000"/>
+                        </a:solidFill>
+                        <a:effectLst/>
+                        <a:latin typeface="Calibri" panose="020F0502020204030204" pitchFamily="34" charset="0"/>
+                      </a:endParaRPr>
+                    </a:p>
+                  </a:txBody>
+                  <a:tcPr marL="5379" marR="5379" marT="5379" marB="0" anchor="b"/>
+                </a:tc>
+                <a:tc>
+                  <a:txBody>
+                    <a:bodyPr/>
+                    <a:lstStyle/>
+                    <a:p>
+                      <a:pPr algn="ctr" fontAlgn="b"/>
+                      <a:r>
+                        <a:rPr lang="en-US" sz="1100" u="none" strike="noStrike">
+                          <a:effectLst/>
+                        </a:rPr>
+                        <a:t>0.23</a:t>
+                      </a:r>
+                      <a:endParaRPr lang="en-US" sz="1100" b="0" i="0" u="none" strike="noStrike">
+                        <a:solidFill>
+                          <a:srgbClr val="000000"/>
+                        </a:solidFill>
+                        <a:effectLst/>
+                        <a:latin typeface="Calibri" panose="020F0502020204030204" pitchFamily="34" charset="0"/>
+                      </a:endParaRPr>
+                    </a:p>
+                  </a:txBody>
+                  <a:tcPr marL="5379" marR="5379" marT="5379" marB="0" anchor="b"/>
+                </a:tc>
+                <a:extLst>
+                  <a:ext uri="{0D108BD9-81ED-4DB2-BD59-A6C34878D82A}">
+                    <a16:rowId xmlns:a16="http://schemas.microsoft.com/office/drawing/2014/main" val="3938771006"/>
+                  </a:ext>
+                </a:extLst>
+              </a:tr>
+              <a:tr h="372105">
+                <a:tc>
+                  <a:txBody>
+                    <a:bodyPr/>
+                    <a:lstStyle/>
+                    <a:p>
+                      <a:pPr algn="l" fontAlgn="b"/>
+                      <a:endParaRPr lang="en-US" sz="1100" b="0" i="0" u="none" strike="noStrike">
+                        <a:solidFill>
+                          <a:srgbClr val="000000"/>
+                        </a:solidFill>
+                        <a:effectLst/>
+                        <a:latin typeface="Calibri" panose="020F0502020204030204" pitchFamily="34" charset="0"/>
+                      </a:endParaRPr>
+                    </a:p>
+                  </a:txBody>
+                  <a:tcPr marL="5379" marR="5379" marT="5379" marB="0" anchor="b"/>
+                </a:tc>
+                <a:tc>
+                  <a:txBody>
+                    <a:bodyPr/>
+                    <a:lstStyle/>
+                    <a:p>
+                      <a:pPr algn="l" fontAlgn="b"/>
+                      <a:r>
+                        <a:rPr lang="en-US" sz="1100" u="none" strike="noStrike">
+                          <a:effectLst/>
+                        </a:rPr>
+                        <a:t>Variable-Average climate</a:t>
+                      </a:r>
+                      <a:endParaRPr lang="en-US" sz="1100" b="0" i="0" u="none" strike="noStrike">
+                        <a:solidFill>
+                          <a:srgbClr val="000000"/>
+                        </a:solidFill>
+                        <a:effectLst/>
+                        <a:latin typeface="Calibri" panose="020F0502020204030204" pitchFamily="34" charset="0"/>
+                      </a:endParaRPr>
+                    </a:p>
+                  </a:txBody>
+                  <a:tcPr marL="5379" marR="5379" marT="5379" marB="0" anchor="b"/>
+                </a:tc>
+                <a:tc>
+                  <a:txBody>
+                    <a:bodyPr/>
+                    <a:lstStyle/>
+                    <a:p>
+                      <a:pPr algn="l" fontAlgn="b"/>
+                      <a:r>
+                        <a:rPr lang="en-US" sz="1100" u="none" strike="noStrike">
+                          <a:effectLst/>
+                        </a:rPr>
+                        <a:t>Seasonal and Extreme - averagePrecipitation</a:t>
+                      </a:r>
+                      <a:endParaRPr lang="en-US" sz="1100" b="0" i="0" u="none" strike="noStrike">
+                        <a:solidFill>
+                          <a:srgbClr val="000000"/>
+                        </a:solidFill>
+                        <a:effectLst/>
+                        <a:latin typeface="Calibri" panose="020F0502020204030204" pitchFamily="34" charset="0"/>
+                      </a:endParaRPr>
+                    </a:p>
+                  </a:txBody>
+                  <a:tcPr marL="5379" marR="5379" marT="5379" marB="0" anchor="b"/>
+                </a:tc>
+                <a:tc>
+                  <a:txBody>
+                    <a:bodyPr/>
+                    <a:lstStyle/>
+                    <a:p>
+                      <a:pPr algn="l" fontAlgn="b"/>
+                      <a:r>
+                        <a:rPr lang="en-US" sz="1100" u="none" strike="noStrike" dirty="0">
+                          <a:effectLst/>
+                        </a:rPr>
+                        <a:t>Overall precipitation</a:t>
+                      </a:r>
+                      <a:endParaRPr lang="en-US" sz="1100" b="0" i="0" u="none" strike="noStrike" dirty="0">
+                        <a:solidFill>
+                          <a:srgbClr val="000000"/>
+                        </a:solidFill>
+                        <a:effectLst/>
+                        <a:latin typeface="Calibri" panose="020F0502020204030204" pitchFamily="34" charset="0"/>
+                      </a:endParaRPr>
+                    </a:p>
+                  </a:txBody>
+                  <a:tcPr marL="5379" marR="5379" marT="5379" marB="0" anchor="b"/>
+                </a:tc>
+                <a:extLst>
+                  <a:ext uri="{0D108BD9-81ED-4DB2-BD59-A6C34878D82A}">
+                    <a16:rowId xmlns:a16="http://schemas.microsoft.com/office/drawing/2014/main" val="2636226939"/>
+                  </a:ext>
+                </a:extLst>
+              </a:tr>
+            </a:tbl>
+          </a:graphicData>
+        </a:graphic>
+      </p:graphicFrame>
     </p:spTree>
     <p:extLst>
       <p:ext uri="{BB962C8B-B14F-4D97-AF65-F5344CB8AC3E}">
         <p14:creationId xmlns:p14="http://schemas.microsoft.com/office/powerpoint/2010/main" val="3681809109"/>
+      </p:ext>
+    </p:extLst>
+  </p:cSld>
+  <p:clrMapOvr>
+    <a:masterClrMapping/>
+  </p:clrMapOvr>
+</p:sld>
+</file>
+
+<file path=ppt/slides/slide4.xml><?xml version="1.0" encoding="utf-8"?>
+<p:sld xmlns:a="http://schemas.openxmlformats.org/drawingml/2006/main" xmlns:r="http://schemas.openxmlformats.org/officeDocument/2006/relationships" xmlns:p="http://schemas.openxmlformats.org/presentationml/2006/main">
+  <p:cSld>
+    <p:spTree>
+      <p:nvGrpSpPr>
+        <p:cNvPr id="1" name=""/>
+        <p:cNvGrpSpPr/>
+        <p:nvPr/>
+      </p:nvGrpSpPr>
+      <p:grpSpPr>
+        <a:xfrm>
+          <a:off x="0" y="0"/>
+          <a:ext cx="0" cy="0"/>
+          <a:chOff x="0" y="0"/>
+          <a:chExt cx="0" cy="0"/>
+        </a:xfrm>
+      </p:grpSpPr>
+      <p:pic>
+        <p:nvPicPr>
+          <p:cNvPr id="4" name="Picture 3">
+            <a:extLst>
+              <a:ext uri="{FF2B5EF4-FFF2-40B4-BE49-F238E27FC236}">
+                <a16:creationId xmlns:a16="http://schemas.microsoft.com/office/drawing/2014/main" id="{43C2058F-FC2C-634E-9879-D9C96C2C9F21}"/>
+              </a:ext>
+            </a:extLst>
+          </p:cNvPr>
+          <p:cNvPicPr>
+            <a:picLocks noChangeAspect="1"/>
+          </p:cNvPicPr>
+          <p:nvPr/>
+        </p:nvPicPr>
+        <p:blipFill>
+          <a:blip r:embed="rId2"/>
+          <a:stretch>
+            <a:fillRect/>
+          </a:stretch>
+        </p:blipFill>
+        <p:spPr>
+          <a:xfrm>
+            <a:off x="1686406" y="1027906"/>
+            <a:ext cx="8082011" cy="4927600"/>
+          </a:xfrm>
+          <a:prstGeom prst="rect">
+            <a:avLst/>
+          </a:prstGeom>
+        </p:spPr>
+      </p:pic>
+    </p:spTree>
+    <p:extLst>
+      <p:ext uri="{BB962C8B-B14F-4D97-AF65-F5344CB8AC3E}">
+        <p14:creationId xmlns:p14="http://schemas.microsoft.com/office/powerpoint/2010/main" val="352516569"/>
+      </p:ext>
+    </p:extLst>
+  </p:cSld>
+  <p:clrMapOvr>
+    <a:masterClrMapping/>
+  </p:clrMapOvr>
+</p:sld>
+</file>
+
+<file path=ppt/slides/slide5.xml><?xml version="1.0" encoding="utf-8"?>
+<p:sld xmlns:a="http://schemas.openxmlformats.org/drawingml/2006/main" xmlns:r="http://schemas.openxmlformats.org/officeDocument/2006/relationships" xmlns:p="http://schemas.openxmlformats.org/presentationml/2006/main">
+  <p:cSld>
+    <p:spTree>
+      <p:nvGrpSpPr>
+        <p:cNvPr id="1" name=""/>
+        <p:cNvGrpSpPr/>
+        <p:nvPr/>
+      </p:nvGrpSpPr>
+      <p:grpSpPr>
+        <a:xfrm>
+          <a:off x="0" y="0"/>
+          <a:ext cx="0" cy="0"/>
+          <a:chOff x="0" y="0"/>
+          <a:chExt cx="0" cy="0"/>
+        </a:xfrm>
+      </p:grpSpPr>
+      <p:sp>
+        <p:nvSpPr>
+          <p:cNvPr id="2" name="Title 1">
+            <a:extLst>
+              <a:ext uri="{FF2B5EF4-FFF2-40B4-BE49-F238E27FC236}">
+                <a16:creationId xmlns:a16="http://schemas.microsoft.com/office/drawing/2014/main" id="{AFF44F97-4DD8-A94C-B408-44BDC29A286B}"/>
+              </a:ext>
+            </a:extLst>
+          </p:cNvPr>
+          <p:cNvSpPr>
+            <a:spLocks noGrp="1"/>
+          </p:cNvSpPr>
+          <p:nvPr>
+            <p:ph type="title"/>
+          </p:nvPr>
+        </p:nvSpPr>
+        <p:spPr/>
+        <p:txBody>
+          <a:bodyPr/>
+          <a:lstStyle/>
+          <a:p>
+            <a:endParaRPr lang="en-US"/>
+          </a:p>
+        </p:txBody>
+      </p:sp>
+      <p:pic>
+        <p:nvPicPr>
+          <p:cNvPr id="5" name="Picture 4">
+            <a:extLst>
+              <a:ext uri="{FF2B5EF4-FFF2-40B4-BE49-F238E27FC236}">
+                <a16:creationId xmlns:a16="http://schemas.microsoft.com/office/drawing/2014/main" id="{970A22B3-FD34-7645-BE17-694143D07D59}"/>
+              </a:ext>
+            </a:extLst>
+          </p:cNvPr>
+          <p:cNvPicPr>
+            <a:picLocks noChangeAspect="1"/>
+          </p:cNvPicPr>
+          <p:nvPr/>
+        </p:nvPicPr>
+        <p:blipFill>
+          <a:blip r:embed="rId2"/>
+          <a:stretch>
+            <a:fillRect/>
+          </a:stretch>
+        </p:blipFill>
+        <p:spPr>
+          <a:xfrm>
+            <a:off x="1591925" y="1027906"/>
+            <a:ext cx="7998691" cy="4876800"/>
+          </a:xfrm>
+          <a:prstGeom prst="rect">
+            <a:avLst/>
+          </a:prstGeom>
+        </p:spPr>
+      </p:pic>
+    </p:spTree>
+    <p:extLst>
+      <p:ext uri="{BB962C8B-B14F-4D97-AF65-F5344CB8AC3E}">
+        <p14:creationId xmlns:p14="http://schemas.microsoft.com/office/powerpoint/2010/main" val="3521533465"/>
+      </p:ext>
+    </p:extLst>
+  </p:cSld>
+  <p:clrMapOvr>
+    <a:masterClrMapping/>
+  </p:clrMapOvr>
+</p:sld>
+</file>
+
+<file path=ppt/slides/slide6.xml><?xml version="1.0" encoding="utf-8"?>
+<p:sld xmlns:a="http://schemas.openxmlformats.org/drawingml/2006/main" xmlns:r="http://schemas.openxmlformats.org/officeDocument/2006/relationships" xmlns:p="http://schemas.openxmlformats.org/presentationml/2006/main">
+  <p:cSld>
+    <p:spTree>
+      <p:nvGrpSpPr>
+        <p:cNvPr id="1" name=""/>
+        <p:cNvGrpSpPr/>
+        <p:nvPr/>
+      </p:nvGrpSpPr>
+      <p:grpSpPr>
+        <a:xfrm>
+          <a:off x="0" y="0"/>
+          <a:ext cx="0" cy="0"/>
+          <a:chOff x="0" y="0"/>
+          <a:chExt cx="0" cy="0"/>
+        </a:xfrm>
+      </p:grpSpPr>
+      <p:sp>
+        <p:nvSpPr>
+          <p:cNvPr id="2" name="Title 1">
+            <a:extLst>
+              <a:ext uri="{FF2B5EF4-FFF2-40B4-BE49-F238E27FC236}">
+                <a16:creationId xmlns:a16="http://schemas.microsoft.com/office/drawing/2014/main" id="{E18125E8-A90B-3449-AE7D-389982834A89}"/>
+              </a:ext>
+            </a:extLst>
+          </p:cNvPr>
+          <p:cNvSpPr>
+            <a:spLocks noGrp="1"/>
+          </p:cNvSpPr>
+          <p:nvPr>
+            <p:ph type="title"/>
+          </p:nvPr>
+        </p:nvSpPr>
+        <p:spPr/>
+        <p:txBody>
+          <a:bodyPr/>
+          <a:lstStyle/>
+          <a:p>
+            <a:endParaRPr lang="en-US"/>
+          </a:p>
+        </p:txBody>
+      </p:sp>
+      <p:pic>
+        <p:nvPicPr>
+          <p:cNvPr id="5" name="Picture 4">
+            <a:extLst>
+              <a:ext uri="{FF2B5EF4-FFF2-40B4-BE49-F238E27FC236}">
+                <a16:creationId xmlns:a16="http://schemas.microsoft.com/office/drawing/2014/main" id="{59624ED4-AADC-1B40-9072-26F55864BC42}"/>
+              </a:ext>
+            </a:extLst>
+          </p:cNvPr>
+          <p:cNvPicPr>
+            <a:picLocks noChangeAspect="1"/>
+          </p:cNvPicPr>
+          <p:nvPr/>
+        </p:nvPicPr>
+        <p:blipFill>
+          <a:blip r:embed="rId2"/>
+          <a:stretch>
+            <a:fillRect/>
+          </a:stretch>
+        </p:blipFill>
+        <p:spPr>
+          <a:xfrm>
+            <a:off x="838200" y="152399"/>
+            <a:ext cx="10064750" cy="6136475"/>
+          </a:xfrm>
+          <a:prstGeom prst="rect">
+            <a:avLst/>
+          </a:prstGeom>
+        </p:spPr>
+      </p:pic>
+    </p:spTree>
+    <p:extLst>
+      <p:ext uri="{BB962C8B-B14F-4D97-AF65-F5344CB8AC3E}">
+        <p14:creationId xmlns:p14="http://schemas.microsoft.com/office/powerpoint/2010/main" val="463905329"/>
       </p:ext>
     </p:extLst>
   </p:cSld>

--- a/2018-04-02_figure_layout.pptx
+++ b/2018-04-02_figure_layout.pptx
@@ -264,7 +264,7 @@
           <a:p>
             <a:fld id="{8613B011-3E82-E04F-8774-1C022D727498}" type="datetimeFigureOut">
               <a:rPr lang="en-US" smtClean="0"/>
-              <a:t>4/4/18</a:t>
+              <a:t>4/5/18</a:t>
             </a:fld>
             <a:endParaRPr lang="en-US"/>
           </a:p>
@@ -462,7 +462,7 @@
           <a:p>
             <a:fld id="{8613B011-3E82-E04F-8774-1C022D727498}" type="datetimeFigureOut">
               <a:rPr lang="en-US" smtClean="0"/>
-              <a:t>4/4/18</a:t>
+              <a:t>4/5/18</a:t>
             </a:fld>
             <a:endParaRPr lang="en-US"/>
           </a:p>
@@ -670,7 +670,7 @@
           <a:p>
             <a:fld id="{8613B011-3E82-E04F-8774-1C022D727498}" type="datetimeFigureOut">
               <a:rPr lang="en-US" smtClean="0"/>
-              <a:t>4/4/18</a:t>
+              <a:t>4/5/18</a:t>
             </a:fld>
             <a:endParaRPr lang="en-US"/>
           </a:p>
@@ -868,7 +868,7 @@
           <a:p>
             <a:fld id="{8613B011-3E82-E04F-8774-1C022D727498}" type="datetimeFigureOut">
               <a:rPr lang="en-US" smtClean="0"/>
-              <a:t>4/4/18</a:t>
+              <a:t>4/5/18</a:t>
             </a:fld>
             <a:endParaRPr lang="en-US"/>
           </a:p>
@@ -1143,7 +1143,7 @@
           <a:p>
             <a:fld id="{8613B011-3E82-E04F-8774-1C022D727498}" type="datetimeFigureOut">
               <a:rPr lang="en-US" smtClean="0"/>
-              <a:t>4/4/18</a:t>
+              <a:t>4/5/18</a:t>
             </a:fld>
             <a:endParaRPr lang="en-US"/>
           </a:p>
@@ -1408,7 +1408,7 @@
           <a:p>
             <a:fld id="{8613B011-3E82-E04F-8774-1C022D727498}" type="datetimeFigureOut">
               <a:rPr lang="en-US" smtClean="0"/>
-              <a:t>4/4/18</a:t>
+              <a:t>4/5/18</a:t>
             </a:fld>
             <a:endParaRPr lang="en-US"/>
           </a:p>
@@ -1820,7 +1820,7 @@
           <a:p>
             <a:fld id="{8613B011-3E82-E04F-8774-1C022D727498}" type="datetimeFigureOut">
               <a:rPr lang="en-US" smtClean="0"/>
-              <a:t>4/4/18</a:t>
+              <a:t>4/5/18</a:t>
             </a:fld>
             <a:endParaRPr lang="en-US"/>
           </a:p>
@@ -1961,7 +1961,7 @@
           <a:p>
             <a:fld id="{8613B011-3E82-E04F-8774-1C022D727498}" type="datetimeFigureOut">
               <a:rPr lang="en-US" smtClean="0"/>
-              <a:t>4/4/18</a:t>
+              <a:t>4/5/18</a:t>
             </a:fld>
             <a:endParaRPr lang="en-US"/>
           </a:p>
@@ -2074,7 +2074,7 @@
           <a:p>
             <a:fld id="{8613B011-3E82-E04F-8774-1C022D727498}" type="datetimeFigureOut">
               <a:rPr lang="en-US" smtClean="0"/>
-              <a:t>4/4/18</a:t>
+              <a:t>4/5/18</a:t>
             </a:fld>
             <a:endParaRPr lang="en-US"/>
           </a:p>
@@ -2385,7 +2385,7 @@
           <a:p>
             <a:fld id="{8613B011-3E82-E04F-8774-1C022D727498}" type="datetimeFigureOut">
               <a:rPr lang="en-US" smtClean="0"/>
-              <a:t>4/4/18</a:t>
+              <a:t>4/5/18</a:t>
             </a:fld>
             <a:endParaRPr lang="en-US"/>
           </a:p>
@@ -2673,7 +2673,7 @@
           <a:p>
             <a:fld id="{8613B011-3E82-E04F-8774-1C022D727498}" type="datetimeFigureOut">
               <a:rPr lang="en-US" smtClean="0"/>
-              <a:t>4/4/18</a:t>
+              <a:t>4/5/18</a:t>
             </a:fld>
             <a:endParaRPr lang="en-US"/>
           </a:p>
@@ -2914,7 +2914,7 @@
           <a:p>
             <a:fld id="{8613B011-3E82-E04F-8774-1C022D727498}" type="datetimeFigureOut">
               <a:rPr lang="en-US" smtClean="0"/>
-              <a:t>4/4/18</a:t>
+              <a:t>4/5/18</a:t>
             </a:fld>
             <a:endParaRPr lang="en-US"/>
           </a:p>
@@ -3405,14 +3405,14 @@
           <p:nvPr>
             <p:extLst>
               <p:ext uri="{D42A27DB-BD31-4B8C-83A1-F6EECF244321}">
-                <p14:modId xmlns:p14="http://schemas.microsoft.com/office/powerpoint/2010/main" val="1992752086"/>
+                <p14:modId xmlns:p14="http://schemas.microsoft.com/office/powerpoint/2010/main" val="144403887"/>
               </p:ext>
             </p:extLst>
           </p:nvPr>
         </p:nvGraphicFramePr>
         <p:xfrm>
           <a:off x="1049866" y="262467"/>
-          <a:ext cx="8695269" cy="6011334"/>
+          <a:ext cx="10402619" cy="6145828"/>
         </p:xfrm>
         <a:graphic>
           <a:graphicData uri="http://schemas.openxmlformats.org/drawingml/2006/table">
@@ -3421,28 +3421,28 @@
                 <a:tableStyleId>{5C22544A-7EE6-4342-B048-85BDC9FD1C3A}</a:tableStyleId>
               </a:tblPr>
               <a:tblGrid>
-                <a:gridCol w="3470100">
+                <a:gridCol w="4151468">
                   <a:extLst>
                     <a:ext uri="{9D8B030D-6E8A-4147-A177-3AD203B41FA5}">
                       <a16:colId xmlns:a16="http://schemas.microsoft.com/office/drawing/2014/main" val="1261596562"/>
                     </a:ext>
                   </a:extLst>
                 </a:gridCol>
-                <a:gridCol w="1741723">
+                <a:gridCol w="2083717">
                   <a:extLst>
                     <a:ext uri="{9D8B030D-6E8A-4147-A177-3AD203B41FA5}">
                       <a16:colId xmlns:a16="http://schemas.microsoft.com/office/drawing/2014/main" val="3841227160"/>
                     </a:ext>
                   </a:extLst>
                 </a:gridCol>
-                <a:gridCol w="1741723">
+                <a:gridCol w="2083717">
                   <a:extLst>
                     <a:ext uri="{9D8B030D-6E8A-4147-A177-3AD203B41FA5}">
                       <a16:colId xmlns:a16="http://schemas.microsoft.com/office/drawing/2014/main" val="3947416697"/>
                     </a:ext>
                   </a:extLst>
                 </a:gridCol>
-                <a:gridCol w="1741723">
+                <a:gridCol w="2083717">
                   <a:extLst>
                     <a:ext uri="{9D8B030D-6E8A-4147-A177-3AD203B41FA5}">
                       <a16:colId xmlns:a16="http://schemas.microsoft.com/office/drawing/2014/main" val="3200543721"/>
@@ -3450,14 +3450,14 @@
                   </a:extLst>
                 </a:gridCol>
               </a:tblGrid>
-              <a:tr h="380261">
+              <a:tr h="714729">
                 <a:tc>
                   <a:txBody>
                     <a:bodyPr/>
                     <a:lstStyle/>
                     <a:p>
                       <a:pPr algn="l" fontAlgn="b"/>
-                      <a:endParaRPr lang="en-US" sz="2400" b="0" i="0" u="none" strike="noStrike" dirty="0">
+                      <a:endParaRPr lang="en-US" sz="1600" b="0" i="0" u="none" strike="noStrike" dirty="0">
                         <a:solidFill>
                           <a:srgbClr val="000000"/>
                         </a:solidFill>
@@ -3475,12 +3475,12 @@
                     <a:p>
                       <a:pPr algn="l" fontAlgn="b"/>
                       <a:r>
-                        <a:rPr lang="en-US" sz="2400" u="none" strike="noStrike">
-                          <a:effectLst/>
-                        </a:rPr>
-                        <a:t>PC1</a:t>
-                      </a:r>
-                      <a:endParaRPr lang="en-US" sz="2400" b="0" i="0" u="none" strike="noStrike">
+                        <a:rPr lang="en-US" sz="1600" u="none" strike="noStrike" dirty="0">
+                          <a:effectLst/>
+                        </a:rPr>
+                        <a:t>Stress Hardiness-Growth trade-off (PC1, 47.90%)</a:t>
+                      </a:r>
+                      <a:endParaRPr lang="en-US" sz="1600" b="0" i="0" u="none" strike="noStrike" dirty="0">
                         <a:solidFill>
                           <a:srgbClr val="000000"/>
                         </a:solidFill>
@@ -3498,12 +3498,12 @@
                     <a:p>
                       <a:pPr algn="l" fontAlgn="b"/>
                       <a:r>
-                        <a:rPr lang="en-US" sz="2400" u="none" strike="noStrike">
-                          <a:effectLst/>
-                        </a:rPr>
-                        <a:t>PC2</a:t>
-                      </a:r>
-                      <a:endParaRPr lang="en-US" sz="2400" b="0" i="0" u="none" strike="noStrike">
+                        <a:rPr lang="en-US" sz="1600" u="none" strike="noStrike" dirty="0">
+                          <a:effectLst/>
+                        </a:rPr>
+                        <a:t>PC2 (22.25%)</a:t>
+                      </a:r>
+                      <a:endParaRPr lang="en-US" sz="1600" b="0" i="0" u="none" strike="noStrike" dirty="0">
                         <a:solidFill>
                           <a:srgbClr val="000000"/>
                         </a:solidFill>
@@ -3521,12 +3521,12 @@
                     <a:p>
                       <a:pPr algn="l" fontAlgn="b"/>
                       <a:r>
-                        <a:rPr lang="en-US" sz="2400" u="none" strike="noStrike">
-                          <a:effectLst/>
-                        </a:rPr>
-                        <a:t>PC3</a:t>
-                      </a:r>
-                      <a:endParaRPr lang="en-US" sz="2400" b="0" i="0" u="none" strike="noStrike">
+                        <a:rPr lang="en-US" sz="1600" u="none" strike="noStrike" dirty="0">
+                          <a:effectLst/>
+                        </a:rPr>
+                        <a:t>PC3 (15.21%)</a:t>
+                      </a:r>
+                      <a:endParaRPr lang="en-US" sz="1600" b="0" i="0" u="none" strike="noStrike" dirty="0">
                         <a:solidFill>
                           <a:srgbClr val="000000"/>
                         </a:solidFill>
@@ -3543,7 +3543,7 @@
                   </a:ext>
                 </a:extLst>
               </a:tr>
-              <a:tr h="1126215">
+              <a:tr h="1086220">
                 <a:tc>
                   <a:txBody>
                     <a:bodyPr/>
@@ -3551,12 +3551,12 @@
                     <a:p>
                       <a:pPr algn="l" fontAlgn="b"/>
                       <a:r>
-                        <a:rPr lang="en-US" sz="2400" u="none" strike="noStrike" dirty="0">
+                        <a:rPr lang="en-US" sz="1600" u="none" strike="noStrike" dirty="0">
                           <a:effectLst/>
                         </a:rPr>
                         <a:t>Starvation hardiness</a:t>
                       </a:r>
-                      <a:endParaRPr lang="en-US" sz="2400" b="0" i="0" u="none" strike="noStrike" dirty="0">
+                      <a:endParaRPr lang="en-US" sz="1600" b="0" i="0" u="none" strike="noStrike" dirty="0">
                         <a:solidFill>
                           <a:srgbClr val="000000"/>
                         </a:solidFill>
@@ -3574,12 +3574,12 @@
                     <a:p>
                       <a:pPr algn="ctr" fontAlgn="ctr"/>
                       <a:r>
-                        <a:rPr lang="en-US" sz="2400" u="none" strike="noStrike" dirty="0">
+                        <a:rPr lang="en-US" sz="1600" u="none" strike="noStrike" dirty="0">
                           <a:effectLst/>
                         </a:rPr>
                         <a:t>-0.49</a:t>
                       </a:r>
-                      <a:endParaRPr lang="en-US" sz="2400" b="0" i="0" u="none" strike="noStrike" dirty="0">
+                      <a:endParaRPr lang="en-US" sz="1600" b="0" i="0" u="none" strike="noStrike" dirty="0">
                         <a:solidFill>
                           <a:srgbClr val="000000"/>
                         </a:solidFill>
@@ -3597,12 +3597,12 @@
                     <a:p>
                       <a:pPr algn="ctr" fontAlgn="ctr"/>
                       <a:r>
-                        <a:rPr lang="en-US" sz="2400" u="none" strike="noStrike">
+                        <a:rPr lang="en-US" sz="1600" u="none" strike="noStrike">
                           <a:effectLst/>
                         </a:rPr>
                         <a:t>0.34</a:t>
                       </a:r>
-                      <a:endParaRPr lang="en-US" sz="2400" b="0" i="0" u="none" strike="noStrike">
+                      <a:endParaRPr lang="en-US" sz="1600" b="0" i="0" u="none" strike="noStrike">
                         <a:solidFill>
                           <a:srgbClr val="000000"/>
                         </a:solidFill>
@@ -3620,12 +3620,12 @@
                     <a:p>
                       <a:pPr algn="ctr" fontAlgn="ctr"/>
                       <a:r>
-                        <a:rPr lang="en-US" sz="2400" u="none" strike="noStrike">
+                        <a:rPr lang="en-US" sz="1600" u="none" strike="noStrike">
                           <a:effectLst/>
                         </a:rPr>
                         <a:t>-0.28</a:t>
                       </a:r>
-                      <a:endParaRPr lang="en-US" sz="2400" b="0" i="0" u="none" strike="noStrike">
+                      <a:endParaRPr lang="en-US" sz="1600" b="0" i="0" u="none" strike="noStrike">
                         <a:solidFill>
                           <a:srgbClr val="000000"/>
                         </a:solidFill>
@@ -3642,7 +3642,7 @@
                   </a:ext>
                 </a:extLst>
               </a:tr>
-              <a:tr h="1126215">
+              <a:tr h="1086220">
                 <a:tc>
                   <a:txBody>
                     <a:bodyPr/>
@@ -3650,12 +3650,12 @@
                     <a:p>
                       <a:pPr algn="l" fontAlgn="b"/>
                       <a:r>
-                        <a:rPr lang="en-US" sz="2400" u="none" strike="noStrike" dirty="0">
+                        <a:rPr lang="en-US" sz="1600" u="none" strike="noStrike" dirty="0">
                           <a:effectLst/>
                         </a:rPr>
                         <a:t>Desiccation hardiness</a:t>
                       </a:r>
-                      <a:endParaRPr lang="en-US" sz="2400" b="0" i="0" u="none" strike="noStrike" dirty="0">
+                      <a:endParaRPr lang="en-US" sz="1600" b="0" i="0" u="none" strike="noStrike" dirty="0">
                         <a:solidFill>
                           <a:srgbClr val="000000"/>
                         </a:solidFill>
@@ -3673,12 +3673,12 @@
                     <a:p>
                       <a:pPr algn="ctr" fontAlgn="ctr"/>
                       <a:r>
-                        <a:rPr lang="en-US" sz="2400" u="none" strike="noStrike">
+                        <a:rPr lang="en-US" sz="1600" u="none" strike="noStrike">
                           <a:effectLst/>
                         </a:rPr>
                         <a:t>-0.54</a:t>
                       </a:r>
-                      <a:endParaRPr lang="en-US" sz="2400" b="0" i="0" u="none" strike="noStrike">
+                      <a:endParaRPr lang="en-US" sz="1600" b="0" i="0" u="none" strike="noStrike">
                         <a:solidFill>
                           <a:srgbClr val="000000"/>
                         </a:solidFill>
@@ -3696,12 +3696,12 @@
                     <a:p>
                       <a:pPr algn="ctr" fontAlgn="ctr"/>
                       <a:r>
-                        <a:rPr lang="en-US" sz="2400" u="none" strike="noStrike" dirty="0">
+                        <a:rPr lang="en-US" sz="1600" u="none" strike="noStrike" dirty="0">
                           <a:effectLst/>
                         </a:rPr>
                         <a:t>-0.14</a:t>
                       </a:r>
-                      <a:endParaRPr lang="en-US" sz="2400" b="0" i="0" u="none" strike="noStrike" dirty="0">
+                      <a:endParaRPr lang="en-US" sz="1600" b="0" i="0" u="none" strike="noStrike" dirty="0">
                         <a:solidFill>
                           <a:srgbClr val="000000"/>
                         </a:solidFill>
@@ -3719,12 +3719,12 @@
                     <a:p>
                       <a:pPr algn="ctr" fontAlgn="ctr"/>
                       <a:r>
-                        <a:rPr lang="en-US" sz="2400" u="none" strike="noStrike">
+                        <a:rPr lang="en-US" sz="1600" u="none" strike="noStrike">
                           <a:effectLst/>
                         </a:rPr>
                         <a:t>-0.53</a:t>
                       </a:r>
-                      <a:endParaRPr lang="en-US" sz="2400" b="0" i="0" u="none" strike="noStrike">
+                      <a:endParaRPr lang="en-US" sz="1600" b="0" i="0" u="none" strike="noStrike">
                         <a:solidFill>
                           <a:srgbClr val="000000"/>
                         </a:solidFill>
@@ -3741,7 +3741,7 @@
                   </a:ext>
                 </a:extLst>
               </a:tr>
-              <a:tr h="1126215">
+              <a:tr h="1086220">
                 <a:tc>
                   <a:txBody>
                     <a:bodyPr/>
@@ -3749,12 +3749,12 @@
                     <a:p>
                       <a:pPr algn="l" fontAlgn="b"/>
                       <a:r>
-                        <a:rPr lang="en-US" sz="2400" u="none" strike="noStrike" dirty="0">
+                        <a:rPr lang="en-US" sz="1600" u="none" strike="noStrike" dirty="0">
                           <a:effectLst/>
                         </a:rPr>
                         <a:t>Heat knock down</a:t>
                       </a:r>
-                      <a:endParaRPr lang="en-US" sz="2400" b="0" i="0" u="none" strike="noStrike" dirty="0">
+                      <a:endParaRPr lang="en-US" sz="1600" b="0" i="0" u="none" strike="noStrike" dirty="0">
                         <a:solidFill>
                           <a:srgbClr val="000000"/>
                         </a:solidFill>
@@ -3772,12 +3772,12 @@
                     <a:p>
                       <a:pPr algn="ctr" fontAlgn="ctr"/>
                       <a:r>
-                        <a:rPr lang="en-US" sz="2400" u="none" strike="noStrike" dirty="0">
+                        <a:rPr lang="en-US" sz="1600" u="none" strike="noStrike" dirty="0">
                           <a:effectLst/>
                         </a:rPr>
                         <a:t>-0.38</a:t>
                       </a:r>
-                      <a:endParaRPr lang="en-US" sz="2400" b="0" i="0" u="none" strike="noStrike" dirty="0">
+                      <a:endParaRPr lang="en-US" sz="1600" b="0" i="0" u="none" strike="noStrike" dirty="0">
                         <a:solidFill>
                           <a:srgbClr val="000000"/>
                         </a:solidFill>
@@ -3795,12 +3795,12 @@
                     <a:p>
                       <a:pPr algn="ctr" fontAlgn="ctr"/>
                       <a:r>
-                        <a:rPr lang="en-US" sz="2400" u="none" strike="noStrike" dirty="0">
+                        <a:rPr lang="en-US" sz="1600" u="none" strike="noStrike" dirty="0">
                           <a:effectLst/>
                         </a:rPr>
                         <a:t>-0.45</a:t>
                       </a:r>
-                      <a:endParaRPr lang="en-US" sz="2400" b="0" i="0" u="none" strike="noStrike" dirty="0">
+                      <a:endParaRPr lang="en-US" sz="1600" b="0" i="0" u="none" strike="noStrike" dirty="0">
                         <a:solidFill>
                           <a:srgbClr val="000000"/>
                         </a:solidFill>
@@ -3818,12 +3818,12 @@
                     <a:p>
                       <a:pPr algn="ctr" fontAlgn="ctr"/>
                       <a:r>
-                        <a:rPr lang="en-US" sz="2400" u="none" strike="noStrike">
+                        <a:rPr lang="en-US" sz="1600" u="none" strike="noStrike">
                           <a:effectLst/>
                         </a:rPr>
                         <a:t>0.65</a:t>
                       </a:r>
-                      <a:endParaRPr lang="en-US" sz="2400" b="0" i="0" u="none" strike="noStrike">
+                      <a:endParaRPr lang="en-US" sz="1600" b="0" i="0" u="none" strike="noStrike">
                         <a:solidFill>
                           <a:srgbClr val="000000"/>
                         </a:solidFill>
@@ -3840,7 +3840,7 @@
                   </a:ext>
                 </a:extLst>
               </a:tr>
-              <a:tr h="1499190">
+              <a:tr h="1445950">
                 <a:tc>
                   <a:txBody>
                     <a:bodyPr/>
@@ -3848,12 +3848,12 @@
                     <a:p>
                       <a:pPr algn="l" fontAlgn="b"/>
                       <a:r>
-                        <a:rPr lang="en-US" sz="2400" u="none" strike="noStrike" dirty="0">
+                        <a:rPr lang="en-US" sz="1600" u="none" strike="noStrike" dirty="0">
                           <a:effectLst/>
                         </a:rPr>
                         <a:t>Chill coma recovery time</a:t>
                       </a:r>
-                      <a:endParaRPr lang="en-US" sz="2400" b="0" i="0" u="none" strike="noStrike" dirty="0">
+                      <a:endParaRPr lang="en-US" sz="1600" b="0" i="0" u="none" strike="noStrike" dirty="0">
                         <a:solidFill>
                           <a:srgbClr val="000000"/>
                         </a:solidFill>
@@ -3871,12 +3871,12 @@
                     <a:p>
                       <a:pPr algn="ctr" fontAlgn="ctr"/>
                       <a:r>
-                        <a:rPr lang="en-US" sz="2400" u="none" strike="noStrike">
+                        <a:rPr lang="en-US" sz="1600" u="none" strike="noStrike">
                           <a:effectLst/>
                         </a:rPr>
                         <a:t>-0.23</a:t>
                       </a:r>
-                      <a:endParaRPr lang="en-US" sz="2400" b="0" i="0" u="none" strike="noStrike">
+                      <a:endParaRPr lang="en-US" sz="1600" b="0" i="0" u="none" strike="noStrike">
                         <a:solidFill>
                           <a:srgbClr val="000000"/>
                         </a:solidFill>
@@ -3894,12 +3894,12 @@
                     <a:p>
                       <a:pPr algn="ctr" fontAlgn="ctr"/>
                       <a:r>
-                        <a:rPr lang="en-US" sz="2400" u="none" strike="noStrike" dirty="0">
+                        <a:rPr lang="en-US" sz="1600" u="none" strike="noStrike" dirty="0">
                           <a:effectLst/>
                         </a:rPr>
                         <a:t>0.79</a:t>
                       </a:r>
-                      <a:endParaRPr lang="en-US" sz="2400" b="0" i="0" u="none" strike="noStrike" dirty="0">
+                      <a:endParaRPr lang="en-US" sz="1600" b="0" i="0" u="none" strike="noStrike" dirty="0">
                         <a:solidFill>
                           <a:srgbClr val="000000"/>
                         </a:solidFill>
@@ -3917,12 +3917,12 @@
                     <a:p>
                       <a:pPr algn="ctr" fontAlgn="ctr"/>
                       <a:r>
-                        <a:rPr lang="en-US" sz="2400" u="none" strike="noStrike" dirty="0">
+                        <a:rPr lang="en-US" sz="1600" u="none" strike="noStrike" dirty="0">
                           <a:effectLst/>
                         </a:rPr>
                         <a:t>0.44</a:t>
                       </a:r>
-                      <a:endParaRPr lang="en-US" sz="2400" b="0" i="0" u="none" strike="noStrike" dirty="0">
+                      <a:endParaRPr lang="en-US" sz="1600" b="0" i="0" u="none" strike="noStrike" dirty="0">
                         <a:solidFill>
                           <a:srgbClr val="000000"/>
                         </a:solidFill>
@@ -3939,7 +3939,7 @@
                   </a:ext>
                 </a:extLst>
               </a:tr>
-              <a:tr h="753238">
+              <a:tr h="726489">
                 <a:tc>
                   <a:txBody>
                     <a:bodyPr/>
@@ -3947,12 +3947,12 @@
                     <a:p>
                       <a:pPr algn="l" fontAlgn="b"/>
                       <a:r>
-                        <a:rPr lang="en-US" sz="2400" u="none" strike="noStrike" dirty="0">
+                        <a:rPr lang="en-US" sz="1600" u="none" strike="noStrike" dirty="0">
                           <a:effectLst/>
                         </a:rPr>
                         <a:t>Growth Rate</a:t>
                       </a:r>
-                      <a:endParaRPr lang="en-US" sz="2400" b="0" i="0" u="none" strike="noStrike" dirty="0">
+                      <a:endParaRPr lang="en-US" sz="1600" b="0" i="0" u="none" strike="noStrike" dirty="0">
                         <a:solidFill>
                           <a:srgbClr val="000000"/>
                         </a:solidFill>
@@ -3970,12 +3970,12 @@
                     <a:p>
                       <a:pPr algn="ctr" fontAlgn="ctr"/>
                       <a:r>
-                        <a:rPr lang="en-US" sz="2400" u="none" strike="noStrike">
+                        <a:rPr lang="en-US" sz="1600" u="none" strike="noStrike">
                           <a:effectLst/>
                         </a:rPr>
                         <a:t>0.53</a:t>
                       </a:r>
-                      <a:endParaRPr lang="en-US" sz="2400" b="0" i="0" u="none" strike="noStrike">
+                      <a:endParaRPr lang="en-US" sz="1600" b="0" i="0" u="none" strike="noStrike">
                         <a:solidFill>
                           <a:srgbClr val="000000"/>
                         </a:solidFill>
@@ -3993,12 +3993,12 @@
                     <a:p>
                       <a:pPr algn="ctr" fontAlgn="ctr"/>
                       <a:r>
-                        <a:rPr lang="en-US" sz="2400" u="none" strike="noStrike">
+                        <a:rPr lang="en-US" sz="1600" u="none" strike="noStrike">
                           <a:effectLst/>
                         </a:rPr>
                         <a:t>0.20</a:t>
                       </a:r>
-                      <a:endParaRPr lang="en-US" sz="2400" b="0" i="0" u="none" strike="noStrike">
+                      <a:endParaRPr lang="en-US" sz="1600" b="0" i="0" u="none" strike="noStrike">
                         <a:solidFill>
                           <a:srgbClr val="000000"/>
                         </a:solidFill>
@@ -4016,12 +4016,12 @@
                     <a:p>
                       <a:pPr algn="ctr" fontAlgn="ctr"/>
                       <a:r>
-                        <a:rPr lang="en-US" sz="2400" u="none" strike="noStrike" dirty="0">
+                        <a:rPr lang="en-US" sz="1600" u="none" strike="noStrike" dirty="0">
                           <a:effectLst/>
                         </a:rPr>
                         <a:t>-0.14</a:t>
                       </a:r>
-                      <a:endParaRPr lang="en-US" sz="2400" b="0" i="0" u="none" strike="noStrike" dirty="0">
+                      <a:endParaRPr lang="en-US" sz="1600" b="0" i="0" u="none" strike="noStrike" dirty="0">
                         <a:solidFill>
                           <a:srgbClr val="000000"/>
                         </a:solidFill>

--- a/2018-04-02_figure_layout.pptx
+++ b/2018-04-02_figure_layout.pptx
@@ -3405,14 +3405,14 @@
           <p:nvPr>
             <p:extLst>
               <p:ext uri="{D42A27DB-BD31-4B8C-83A1-F6EECF244321}">
-                <p14:modId xmlns:p14="http://schemas.microsoft.com/office/powerpoint/2010/main" val="144403887"/>
+                <p14:modId xmlns:p14="http://schemas.microsoft.com/office/powerpoint/2010/main" val="3694450671"/>
               </p:ext>
             </p:extLst>
           </p:nvPr>
         </p:nvGraphicFramePr>
         <p:xfrm>
           <a:off x="1049866" y="262467"/>
-          <a:ext cx="10402619" cy="6145828"/>
+          <a:ext cx="10402619" cy="6415984"/>
         </p:xfrm>
         <a:graphic>
           <a:graphicData uri="http://schemas.openxmlformats.org/drawingml/2006/table">
@@ -3501,7 +3501,7 @@
                         <a:rPr lang="en-US" sz="1600" u="none" strike="noStrike" dirty="0">
                           <a:effectLst/>
                         </a:rPr>
-                        <a:t>PC2 (22.25%)</a:t>
+                        <a:t>Thermal Hardiness Trade-off (PC2, 22.25%)</a:t>
                       </a:r>
                       <a:endParaRPr lang="en-US" sz="1600" b="0" i="0" u="none" strike="noStrike" dirty="0">
                         <a:solidFill>
@@ -3524,7 +3524,7 @@
                         <a:rPr lang="en-US" sz="1600" u="none" strike="noStrike" dirty="0">
                           <a:effectLst/>
                         </a:rPr>
-                        <a:t>PC3 (15.21%)</a:t>
+                        <a:t>Desiccation/Starvation Hardiness – Thermal Hardiness Trade-off (PC3, 15.21%)</a:t>
                       </a:r>
                       <a:endParaRPr lang="en-US" sz="1600" b="0" i="0" u="none" strike="noStrike" dirty="0">
                         <a:solidFill>
@@ -4087,14 +4087,14 @@
           <p:nvPr>
             <p:extLst>
               <p:ext uri="{D42A27DB-BD31-4B8C-83A1-F6EECF244321}">
-                <p14:modId xmlns:p14="http://schemas.microsoft.com/office/powerpoint/2010/main" val="3786569800"/>
+                <p14:modId xmlns:p14="http://schemas.microsoft.com/office/powerpoint/2010/main" val="828252268"/>
               </p:ext>
             </p:extLst>
           </p:nvPr>
         </p:nvGraphicFramePr>
         <p:xfrm>
           <a:off x="2006600" y="1024467"/>
-          <a:ext cx="7298267" cy="4631260"/>
+          <a:ext cx="7298267" cy="4767454"/>
         </p:xfrm>
         <a:graphic>
           <a:graphicData uri="http://schemas.openxmlformats.org/drawingml/2006/table">
@@ -4355,21 +4355,27 @@
                     <a:p>
                       <a:pPr algn="ctr" fontAlgn="b"/>
                       <a:r>
-                        <a:rPr lang="en-US" sz="1100" u="none" strike="noStrike">
+                        <a:rPr lang="en-US" sz="1100" u="none" strike="noStrike" dirty="0">
                           <a:effectLst/>
                         </a:rPr>
                         <a:t>-0.26</a:t>
                       </a:r>
-                      <a:endParaRPr lang="en-US" sz="1100" b="0" i="0" u="none" strike="noStrike">
-                        <a:solidFill>
-                          <a:srgbClr val="000000"/>
-                        </a:solidFill>
-                        <a:effectLst/>
-                        <a:latin typeface="Calibri" panose="020F0502020204030204" pitchFamily="34" charset="0"/>
-                      </a:endParaRPr>
-                    </a:p>
-                  </a:txBody>
-                  <a:tcPr marL="5379" marR="5379" marT="5379" marB="0" anchor="b"/>
+                      <a:endParaRPr lang="en-US" sz="1100" b="0" i="0" u="none" strike="noStrike" dirty="0">
+                        <a:solidFill>
+                          <a:srgbClr val="000000"/>
+                        </a:solidFill>
+                        <a:effectLst/>
+                        <a:latin typeface="Calibri" panose="020F0502020204030204" pitchFamily="34" charset="0"/>
+                      </a:endParaRPr>
+                    </a:p>
+                  </a:txBody>
+                  <a:tcPr marL="5379" marR="5379" marT="5379" marB="0" anchor="b">
+                    <a:solidFill>
+                      <a:schemeClr val="accent1">
+                        <a:lumMod val="75000"/>
+                      </a:schemeClr>
+                    </a:solidFill>
+                  </a:tcPr>
                 </a:tc>
                 <a:tc>
                   <a:txBody>
@@ -4477,21 +4483,28 @@
                     <a:p>
                       <a:pPr algn="ctr" fontAlgn="b"/>
                       <a:r>
-                        <a:rPr lang="en-US" sz="1100" u="none" strike="noStrike">
+                        <a:rPr lang="en-US" sz="1100" u="none" strike="noStrike" dirty="0">
                           <a:effectLst/>
                         </a:rPr>
                         <a:t>-0.42</a:t>
                       </a:r>
-                      <a:endParaRPr lang="en-US" sz="1100" b="0" i="0" u="none" strike="noStrike">
-                        <a:solidFill>
-                          <a:srgbClr val="000000"/>
-                        </a:solidFill>
-                        <a:effectLst/>
-                        <a:latin typeface="Calibri" panose="020F0502020204030204" pitchFamily="34" charset="0"/>
-                      </a:endParaRPr>
-                    </a:p>
-                  </a:txBody>
-                  <a:tcPr marL="5379" marR="5379" marT="5379" marB="0" anchor="b"/>
+                      <a:endParaRPr lang="en-US" sz="1100" b="0" i="0" u="none" strike="noStrike" dirty="0">
+                        <a:solidFill>
+                          <a:srgbClr val="000000"/>
+                        </a:solidFill>
+                        <a:effectLst/>
+                        <a:latin typeface="Calibri" panose="020F0502020204030204" pitchFamily="34" charset="0"/>
+                      </a:endParaRPr>
+                    </a:p>
+                  </a:txBody>
+                  <a:tcPr marL="5379" marR="5379" marT="5379" marB="0" anchor="b">
+                    <a:solidFill>
+                      <a:schemeClr val="accent6">
+                        <a:lumMod val="40000"/>
+                        <a:lumOff val="60000"/>
+                      </a:schemeClr>
+                    </a:solidFill>
+                  </a:tcPr>
                 </a:tc>
                 <a:tc>
                   <a:txBody>
@@ -4553,21 +4566,27 @@
                     <a:p>
                       <a:pPr algn="ctr" fontAlgn="b"/>
                       <a:r>
-                        <a:rPr lang="en-US" sz="1100" u="none" strike="noStrike">
+                        <a:rPr lang="en-US" sz="1100" u="none" strike="noStrike" dirty="0">
                           <a:effectLst/>
                         </a:rPr>
                         <a:t>-0.25</a:t>
                       </a:r>
-                      <a:endParaRPr lang="en-US" sz="1100" b="0" i="0" u="none" strike="noStrike">
-                        <a:solidFill>
-                          <a:srgbClr val="000000"/>
-                        </a:solidFill>
-                        <a:effectLst/>
-                        <a:latin typeface="Calibri" panose="020F0502020204030204" pitchFamily="34" charset="0"/>
-                      </a:endParaRPr>
-                    </a:p>
-                  </a:txBody>
-                  <a:tcPr marL="5379" marR="5379" marT="5379" marB="0" anchor="b"/>
+                      <a:endParaRPr lang="en-US" sz="1100" b="0" i="0" u="none" strike="noStrike" dirty="0">
+                        <a:solidFill>
+                          <a:srgbClr val="000000"/>
+                        </a:solidFill>
+                        <a:effectLst/>
+                        <a:latin typeface="Calibri" panose="020F0502020204030204" pitchFamily="34" charset="0"/>
+                      </a:endParaRPr>
+                    </a:p>
+                  </a:txBody>
+                  <a:tcPr marL="5379" marR="5379" marT="5379" marB="0" anchor="b">
+                    <a:solidFill>
+                      <a:schemeClr val="accent1">
+                        <a:lumMod val="75000"/>
+                      </a:schemeClr>
+                    </a:solidFill>
+                  </a:tcPr>
                 </a:tc>
                 <a:tc>
                   <a:txBody>
@@ -4675,12 +4694,12 @@
                     <a:p>
                       <a:pPr algn="ctr" fontAlgn="b"/>
                       <a:r>
-                        <a:rPr lang="en-US" sz="1100" u="none" strike="noStrike">
+                        <a:rPr lang="en-US" sz="1100" u="none" strike="noStrike" dirty="0">
                           <a:effectLst/>
                         </a:rPr>
                         <a:t>0.27</a:t>
                       </a:r>
-                      <a:endParaRPr lang="en-US" sz="1100" b="0" i="0" u="none" strike="noStrike">
+                      <a:endParaRPr lang="en-US" sz="1100" b="0" i="0" u="none" strike="noStrike" dirty="0">
                         <a:solidFill>
                           <a:srgbClr val="000000"/>
                         </a:solidFill>
@@ -4850,21 +4869,27 @@
                     <a:p>
                       <a:pPr algn="ctr" fontAlgn="b"/>
                       <a:r>
-                        <a:rPr lang="en-US" sz="1100" u="none" strike="noStrike">
+                        <a:rPr lang="en-US" sz="1100" u="none" strike="noStrike" dirty="0">
                           <a:effectLst/>
                         </a:rPr>
                         <a:t>-0.26</a:t>
                       </a:r>
-                      <a:endParaRPr lang="en-US" sz="1100" b="0" i="0" u="none" strike="noStrike">
-                        <a:solidFill>
-                          <a:srgbClr val="000000"/>
-                        </a:solidFill>
-                        <a:effectLst/>
-                        <a:latin typeface="Calibri" panose="020F0502020204030204" pitchFamily="34" charset="0"/>
-                      </a:endParaRPr>
-                    </a:p>
-                  </a:txBody>
-                  <a:tcPr marL="5379" marR="5379" marT="5379" marB="0" anchor="b"/>
+                      <a:endParaRPr lang="en-US" sz="1100" b="0" i="0" u="none" strike="noStrike" dirty="0">
+                        <a:solidFill>
+                          <a:srgbClr val="000000"/>
+                        </a:solidFill>
+                        <a:effectLst/>
+                        <a:latin typeface="Calibri" panose="020F0502020204030204" pitchFamily="34" charset="0"/>
+                      </a:endParaRPr>
+                    </a:p>
+                  </a:txBody>
+                  <a:tcPr marL="5379" marR="5379" marT="5379" marB="0" anchor="b">
+                    <a:solidFill>
+                      <a:schemeClr val="accent1">
+                        <a:lumMod val="75000"/>
+                      </a:schemeClr>
+                    </a:solidFill>
+                  </a:tcPr>
                 </a:tc>
                 <a:tc>
                   <a:txBody>
@@ -5467,21 +5492,28 @@
                     <a:p>
                       <a:pPr algn="ctr" fontAlgn="b"/>
                       <a:r>
-                        <a:rPr lang="en-US" sz="1100" u="none" strike="noStrike">
+                        <a:rPr lang="en-US" sz="1100" u="none" strike="noStrike" dirty="0">
                           <a:effectLst/>
                         </a:rPr>
                         <a:t>-0.26</a:t>
                       </a:r>
-                      <a:endParaRPr lang="en-US" sz="1100" b="0" i="0" u="none" strike="noStrike">
-                        <a:solidFill>
-                          <a:srgbClr val="000000"/>
-                        </a:solidFill>
-                        <a:effectLst/>
-                        <a:latin typeface="Calibri" panose="020F0502020204030204" pitchFamily="34" charset="0"/>
-                      </a:endParaRPr>
-                    </a:p>
-                  </a:txBody>
-                  <a:tcPr marL="5379" marR="5379" marT="5379" marB="0" anchor="b"/>
+                      <a:endParaRPr lang="en-US" sz="1100" b="0" i="0" u="none" strike="noStrike" dirty="0">
+                        <a:solidFill>
+                          <a:srgbClr val="000000"/>
+                        </a:solidFill>
+                        <a:effectLst/>
+                        <a:latin typeface="Calibri" panose="020F0502020204030204" pitchFamily="34" charset="0"/>
+                      </a:endParaRPr>
+                    </a:p>
+                  </a:txBody>
+                  <a:tcPr marL="5379" marR="5379" marT="5379" marB="0" anchor="b">
+                    <a:solidFill>
+                      <a:schemeClr val="accent6">
+                        <a:lumMod val="40000"/>
+                        <a:lumOff val="60000"/>
+                      </a:schemeClr>
+                    </a:solidFill>
+                  </a:tcPr>
                 </a:tc>
                 <a:tc>
                   <a:txBody>
@@ -5566,21 +5598,25 @@
                     <a:p>
                       <a:pPr algn="ctr" fontAlgn="b"/>
                       <a:r>
-                        <a:rPr lang="en-US" sz="1100" u="none" strike="noStrike">
+                        <a:rPr lang="en-US" sz="1100" u="none" strike="noStrike" dirty="0">
                           <a:effectLst/>
                         </a:rPr>
                         <a:t>0.38</a:t>
                       </a:r>
-                      <a:endParaRPr lang="en-US" sz="1100" b="0" i="0" u="none" strike="noStrike">
-                        <a:solidFill>
-                          <a:srgbClr val="000000"/>
-                        </a:solidFill>
-                        <a:effectLst/>
-                        <a:latin typeface="Calibri" panose="020F0502020204030204" pitchFamily="34" charset="0"/>
-                      </a:endParaRPr>
-                    </a:p>
-                  </a:txBody>
-                  <a:tcPr marL="5379" marR="5379" marT="5379" marB="0" anchor="b"/>
+                      <a:endParaRPr lang="en-US" sz="1100" b="0" i="0" u="none" strike="noStrike" dirty="0">
+                        <a:solidFill>
+                          <a:srgbClr val="000000"/>
+                        </a:solidFill>
+                        <a:effectLst/>
+                        <a:latin typeface="Calibri" panose="020F0502020204030204" pitchFamily="34" charset="0"/>
+                      </a:endParaRPr>
+                    </a:p>
+                  </a:txBody>
+                  <a:tcPr marL="5379" marR="5379" marT="5379" marB="0" anchor="b">
+                    <a:solidFill>
+                      <a:schemeClr val="accent2"/>
+                    </a:solidFill>
+                  </a:tcPr>
                 </a:tc>
                 <a:tc>
                   <a:txBody>
@@ -5642,32 +5678,38 @@
                     <a:p>
                       <a:pPr algn="ctr" fontAlgn="b"/>
                       <a:r>
+                        <a:rPr lang="en-US" sz="1100" u="none" strike="noStrike" dirty="0">
+                          <a:effectLst/>
+                        </a:rPr>
+                        <a:t>-0.19</a:t>
+                      </a:r>
+                      <a:endParaRPr lang="en-US" sz="1100" b="0" i="0" u="none" strike="noStrike" dirty="0">
+                        <a:solidFill>
+                          <a:srgbClr val="000000"/>
+                        </a:solidFill>
+                        <a:effectLst/>
+                        <a:latin typeface="Calibri" panose="020F0502020204030204" pitchFamily="34" charset="0"/>
+                      </a:endParaRPr>
+                    </a:p>
+                  </a:txBody>
+                  <a:tcPr marL="5379" marR="5379" marT="5379" marB="0" anchor="b">
+                    <a:solidFill>
+                      <a:schemeClr val="accent1">
+                        <a:lumMod val="75000"/>
+                      </a:schemeClr>
+                    </a:solidFill>
+                  </a:tcPr>
+                </a:tc>
+                <a:tc>
+                  <a:txBody>
+                    <a:bodyPr/>
+                    <a:lstStyle/>
+                    <a:p>
+                      <a:pPr algn="ctr" fontAlgn="b"/>
+                      <a:r>
                         <a:rPr lang="en-US" sz="1100" u="none" strike="noStrike">
                           <a:effectLst/>
                         </a:rPr>
-                        <a:t>-0.19</a:t>
-                      </a:r>
-                      <a:endParaRPr lang="en-US" sz="1100" b="0" i="0" u="none" strike="noStrike">
-                        <a:solidFill>
-                          <a:srgbClr val="000000"/>
-                        </a:solidFill>
-                        <a:effectLst/>
-                        <a:latin typeface="Calibri" panose="020F0502020204030204" pitchFamily="34" charset="0"/>
-                      </a:endParaRPr>
-                    </a:p>
-                  </a:txBody>
-                  <a:tcPr marL="5379" marR="5379" marT="5379" marB="0" anchor="b"/>
-                </a:tc>
-                <a:tc>
-                  <a:txBody>
-                    <a:bodyPr/>
-                    <a:lstStyle/>
-                    <a:p>
-                      <a:pPr algn="ctr" fontAlgn="b"/>
-                      <a:r>
-                        <a:rPr lang="en-US" sz="1100" u="none" strike="noStrike">
-                          <a:effectLst/>
-                        </a:rPr>
                         <a:t>-0.33</a:t>
                       </a:r>
                       <a:endParaRPr lang="en-US" sz="1100" b="0" i="0" u="none" strike="noStrike">
@@ -5679,7 +5721,14 @@
                       </a:endParaRPr>
                     </a:p>
                   </a:txBody>
-                  <a:tcPr marL="5379" marR="5379" marT="5379" marB="0" anchor="b"/>
+                  <a:tcPr marL="5379" marR="5379" marT="5379" marB="0" anchor="b">
+                    <a:solidFill>
+                      <a:schemeClr val="accent6">
+                        <a:lumMod val="40000"/>
+                        <a:lumOff val="60000"/>
+                      </a:schemeClr>
+                    </a:solidFill>
+                  </a:tcPr>
                 </a:tc>
                 <a:tc>
                   <a:txBody>
@@ -5764,21 +5813,28 @@
                     <a:p>
                       <a:pPr algn="ctr" fontAlgn="b"/>
                       <a:r>
-                        <a:rPr lang="en-US" sz="1100" u="none" strike="noStrike">
+                        <a:rPr lang="en-US" sz="1100" u="none" strike="noStrike" dirty="0">
                           <a:effectLst/>
                         </a:rPr>
                         <a:t>-0.22</a:t>
                       </a:r>
-                      <a:endParaRPr lang="en-US" sz="1100" b="0" i="0" u="none" strike="noStrike">
-                        <a:solidFill>
-                          <a:srgbClr val="000000"/>
-                        </a:solidFill>
-                        <a:effectLst/>
-                        <a:latin typeface="Calibri" panose="020F0502020204030204" pitchFamily="34" charset="0"/>
-                      </a:endParaRPr>
-                    </a:p>
-                  </a:txBody>
-                  <a:tcPr marL="5379" marR="5379" marT="5379" marB="0" anchor="b"/>
+                      <a:endParaRPr lang="en-US" sz="1100" b="0" i="0" u="none" strike="noStrike" dirty="0">
+                        <a:solidFill>
+                          <a:srgbClr val="000000"/>
+                        </a:solidFill>
+                        <a:effectLst/>
+                        <a:latin typeface="Calibri" panose="020F0502020204030204" pitchFamily="34" charset="0"/>
+                      </a:endParaRPr>
+                    </a:p>
+                  </a:txBody>
+                  <a:tcPr marL="5379" marR="5379" marT="5379" marB="0" anchor="b">
+                    <a:solidFill>
+                      <a:schemeClr val="accent6">
+                        <a:lumMod val="40000"/>
+                        <a:lumOff val="60000"/>
+                      </a:schemeClr>
+                    </a:solidFill>
+                  </a:tcPr>
                 </a:tc>
                 <a:tc>
                   <a:txBody>
@@ -5863,21 +5919,25 @@
                     <a:p>
                       <a:pPr algn="ctr" fontAlgn="b"/>
                       <a:r>
-                        <a:rPr lang="en-US" sz="1100" u="none" strike="noStrike">
+                        <a:rPr lang="en-US" sz="1100" u="none" strike="noStrike" dirty="0">
                           <a:effectLst/>
                         </a:rPr>
                         <a:t>0.38</a:t>
                       </a:r>
-                      <a:endParaRPr lang="en-US" sz="1100" b="0" i="0" u="none" strike="noStrike">
-                        <a:solidFill>
-                          <a:srgbClr val="000000"/>
-                        </a:solidFill>
-                        <a:effectLst/>
-                        <a:latin typeface="Calibri" panose="020F0502020204030204" pitchFamily="34" charset="0"/>
-                      </a:endParaRPr>
-                    </a:p>
-                  </a:txBody>
-                  <a:tcPr marL="5379" marR="5379" marT="5379" marB="0" anchor="b"/>
+                      <a:endParaRPr lang="en-US" sz="1100" b="0" i="0" u="none" strike="noStrike" dirty="0">
+                        <a:solidFill>
+                          <a:srgbClr val="000000"/>
+                        </a:solidFill>
+                        <a:effectLst/>
+                        <a:latin typeface="Calibri" panose="020F0502020204030204" pitchFamily="34" charset="0"/>
+                      </a:endParaRPr>
+                    </a:p>
+                  </a:txBody>
+                  <a:tcPr marL="5379" marR="5379" marT="5379" marB="0" anchor="b">
+                    <a:solidFill>
+                      <a:schemeClr val="accent2"/>
+                    </a:solidFill>
+                  </a:tcPr>
                 </a:tc>
                 <a:tc>
                   <a:txBody>
@@ -6061,21 +6121,27 @@
                     <a:p>
                       <a:pPr algn="ctr" fontAlgn="b"/>
                       <a:r>
-                        <a:rPr lang="en-US" sz="1100" u="none" strike="noStrike">
+                        <a:rPr lang="en-US" sz="1100" u="none" strike="noStrike" dirty="0">
                           <a:effectLst/>
                         </a:rPr>
                         <a:t>0.32</a:t>
                       </a:r>
-                      <a:endParaRPr lang="en-US" sz="1100" b="0" i="0" u="none" strike="noStrike">
-                        <a:solidFill>
-                          <a:srgbClr val="000000"/>
-                        </a:solidFill>
-                        <a:effectLst/>
-                        <a:latin typeface="Calibri" panose="020F0502020204030204" pitchFamily="34" charset="0"/>
-                      </a:endParaRPr>
-                    </a:p>
-                  </a:txBody>
-                  <a:tcPr marL="5379" marR="5379" marT="5379" marB="0" anchor="b"/>
+                      <a:endParaRPr lang="en-US" sz="1100" b="0" i="0" u="none" strike="noStrike" dirty="0">
+                        <a:solidFill>
+                          <a:srgbClr val="000000"/>
+                        </a:solidFill>
+                        <a:effectLst/>
+                        <a:latin typeface="Calibri" panose="020F0502020204030204" pitchFamily="34" charset="0"/>
+                      </a:endParaRPr>
+                    </a:p>
+                  </a:txBody>
+                  <a:tcPr marL="5379" marR="5379" marT="5379" marB="0" anchor="b">
+                    <a:solidFill>
+                      <a:schemeClr val="accent2">
+                        <a:lumMod val="75000"/>
+                      </a:schemeClr>
+                    </a:solidFill>
+                  </a:tcPr>
                 </a:tc>
                 <a:tc>
                   <a:txBody>
@@ -6154,18 +6220,43 @@
                     <a:p>
                       <a:pPr algn="l" fontAlgn="b"/>
                       <a:r>
-                        <a:rPr lang="en-US" sz="1100" u="none" strike="noStrike">
-                          <a:effectLst/>
-                        </a:rPr>
-                        <a:t>Seasonal and Extreme - averagePrecipitation</a:t>
-                      </a:r>
-                      <a:endParaRPr lang="en-US" sz="1100" b="0" i="0" u="none" strike="noStrike">
-                        <a:solidFill>
-                          <a:srgbClr val="000000"/>
-                        </a:solidFill>
-                        <a:effectLst/>
-                        <a:latin typeface="Calibri" panose="020F0502020204030204" pitchFamily="34" charset="0"/>
-                      </a:endParaRPr>
+                        <a:rPr lang="en-US" sz="1100" u="none" strike="noStrike" dirty="0">
+                          <a:effectLst/>
+                        </a:rPr>
+                        <a:t>Seasonal and Extreme – </a:t>
+                      </a:r>
+                      <a:r>
+                        <a:rPr lang="en-US" sz="1100" u="none" strike="noStrike" dirty="0" err="1">
+                          <a:effectLst/>
+                        </a:rPr>
+                        <a:t>averagePrecipitation</a:t>
+                      </a:r>
+                      <a:endParaRPr lang="en-US" sz="1100" u="none" strike="noStrike" dirty="0">
+                        <a:effectLst/>
+                      </a:endParaRPr>
+                    </a:p>
+                    <a:p>
+                      <a:pPr algn="l" fontAlgn="b"/>
+                      <a:endParaRPr lang="en-US" sz="1100" b="0" i="0" u="none" strike="noStrike" dirty="0">
+                        <a:solidFill>
+                          <a:srgbClr val="000000"/>
+                        </a:solidFill>
+                        <a:effectLst/>
+                        <a:latin typeface="Calibri" panose="020F0502020204030204" pitchFamily="34" charset="0"/>
+                      </a:endParaRPr>
+                    </a:p>
+                    <a:p>
+                      <a:pPr algn="l" fontAlgn="b"/>
+                      <a:r>
+                        <a:rPr lang="en-US" sz="1100" b="0" i="0" u="none" strike="noStrike" dirty="0">
+                          <a:solidFill>
+                            <a:srgbClr val="000000"/>
+                          </a:solidFill>
+                          <a:effectLst/>
+                          <a:latin typeface="Calibri" panose="020F0502020204030204" pitchFamily="34" charset="0"/>
+                        </a:rPr>
+                        <a:t>Precipitation in the dry and wet season</a:t>
+                      </a:r>
                     </a:p>
                   </a:txBody>
                   <a:tcPr marL="5379" marR="5379" marT="5379" marB="0" anchor="b"/>

--- a/2018-04-02_figure_layout.pptx
+++ b/2018-04-02_figure_layout.pptx
@@ -264,7 +264,7 @@
           <a:p>
             <a:fld id="{8613B011-3E82-E04F-8774-1C022D727498}" type="datetimeFigureOut">
               <a:rPr lang="en-US" smtClean="0"/>
-              <a:t>4/5/18</a:t>
+              <a:t>7/9/18</a:t>
             </a:fld>
             <a:endParaRPr lang="en-US"/>
           </a:p>
@@ -462,7 +462,7 @@
           <a:p>
             <a:fld id="{8613B011-3E82-E04F-8774-1C022D727498}" type="datetimeFigureOut">
               <a:rPr lang="en-US" smtClean="0"/>
-              <a:t>4/5/18</a:t>
+              <a:t>7/9/18</a:t>
             </a:fld>
             <a:endParaRPr lang="en-US"/>
           </a:p>
@@ -670,7 +670,7 @@
           <a:p>
             <a:fld id="{8613B011-3E82-E04F-8774-1C022D727498}" type="datetimeFigureOut">
               <a:rPr lang="en-US" smtClean="0"/>
-              <a:t>4/5/18</a:t>
+              <a:t>7/9/18</a:t>
             </a:fld>
             <a:endParaRPr lang="en-US"/>
           </a:p>
@@ -868,7 +868,7 @@
           <a:p>
             <a:fld id="{8613B011-3E82-E04F-8774-1C022D727498}" type="datetimeFigureOut">
               <a:rPr lang="en-US" smtClean="0"/>
-              <a:t>4/5/18</a:t>
+              <a:t>7/9/18</a:t>
             </a:fld>
             <a:endParaRPr lang="en-US"/>
           </a:p>
@@ -1143,7 +1143,7 @@
           <a:p>
             <a:fld id="{8613B011-3E82-E04F-8774-1C022D727498}" type="datetimeFigureOut">
               <a:rPr lang="en-US" smtClean="0"/>
-              <a:t>4/5/18</a:t>
+              <a:t>7/9/18</a:t>
             </a:fld>
             <a:endParaRPr lang="en-US"/>
           </a:p>
@@ -1408,7 +1408,7 @@
           <a:p>
             <a:fld id="{8613B011-3E82-E04F-8774-1C022D727498}" type="datetimeFigureOut">
               <a:rPr lang="en-US" smtClean="0"/>
-              <a:t>4/5/18</a:t>
+              <a:t>7/9/18</a:t>
             </a:fld>
             <a:endParaRPr lang="en-US"/>
           </a:p>
@@ -1820,7 +1820,7 @@
           <a:p>
             <a:fld id="{8613B011-3E82-E04F-8774-1C022D727498}" type="datetimeFigureOut">
               <a:rPr lang="en-US" smtClean="0"/>
-              <a:t>4/5/18</a:t>
+              <a:t>7/9/18</a:t>
             </a:fld>
             <a:endParaRPr lang="en-US"/>
           </a:p>
@@ -1961,7 +1961,7 @@
           <a:p>
             <a:fld id="{8613B011-3E82-E04F-8774-1C022D727498}" type="datetimeFigureOut">
               <a:rPr lang="en-US" smtClean="0"/>
-              <a:t>4/5/18</a:t>
+              <a:t>7/9/18</a:t>
             </a:fld>
             <a:endParaRPr lang="en-US"/>
           </a:p>
@@ -2074,7 +2074,7 @@
           <a:p>
             <a:fld id="{8613B011-3E82-E04F-8774-1C022D727498}" type="datetimeFigureOut">
               <a:rPr lang="en-US" smtClean="0"/>
-              <a:t>4/5/18</a:t>
+              <a:t>7/9/18</a:t>
             </a:fld>
             <a:endParaRPr lang="en-US"/>
           </a:p>
@@ -2385,7 +2385,7 @@
           <a:p>
             <a:fld id="{8613B011-3E82-E04F-8774-1C022D727498}" type="datetimeFigureOut">
               <a:rPr lang="en-US" smtClean="0"/>
-              <a:t>4/5/18</a:t>
+              <a:t>7/9/18</a:t>
             </a:fld>
             <a:endParaRPr lang="en-US"/>
           </a:p>
@@ -2673,7 +2673,7 @@
           <a:p>
             <a:fld id="{8613B011-3E82-E04F-8774-1C022D727498}" type="datetimeFigureOut">
               <a:rPr lang="en-US" smtClean="0"/>
-              <a:t>4/5/18</a:t>
+              <a:t>7/9/18</a:t>
             </a:fld>
             <a:endParaRPr lang="en-US"/>
           </a:p>
@@ -2914,7 +2914,7 @@
           <a:p>
             <a:fld id="{8613B011-3E82-E04F-8774-1C022D727498}" type="datetimeFigureOut">
               <a:rPr lang="en-US" smtClean="0"/>
-              <a:t>4/5/18</a:t>
+              <a:t>7/9/18</a:t>
             </a:fld>
             <a:endParaRPr lang="en-US"/>
           </a:p>
@@ -3405,7 +3405,7 @@
           <p:nvPr>
             <p:extLst>
               <p:ext uri="{D42A27DB-BD31-4B8C-83A1-F6EECF244321}">
-                <p14:modId xmlns:p14="http://schemas.microsoft.com/office/powerpoint/2010/main" val="3694450671"/>
+                <p14:modId xmlns:p14="http://schemas.microsoft.com/office/powerpoint/2010/main" val="4203361425"/>
               </p:ext>
             </p:extLst>
           </p:nvPr>
@@ -3501,7 +3501,19 @@
                         <a:rPr lang="en-US" sz="1600" u="none" strike="noStrike" dirty="0">
                           <a:effectLst/>
                         </a:rPr>
-                        <a:t>Thermal Hardiness Trade-off (PC2, 22.25%)</a:t>
+                        <a:t>Starvation –desiccation/</a:t>
+                      </a:r>
+                      <a:r>
+                        <a:rPr lang="en-US" sz="1600" u="none" strike="noStrike" dirty="0" err="1">
+                          <a:effectLst/>
+                        </a:rPr>
+                        <a:t>thermeral</a:t>
+                      </a:r>
+                      <a:r>
+                        <a:rPr lang="en-US" sz="1600" u="none" strike="noStrike" dirty="0">
+                          <a:effectLst/>
+                        </a:rPr>
+                        <a:t> tolerance trade off(PC2, 22.25%)</a:t>
                       </a:r>
                       <a:endParaRPr lang="en-US" sz="1600" b="0" i="0" u="none" strike="noStrike" dirty="0">
                         <a:solidFill>
@@ -3597,12 +3609,12 @@
                     <a:p>
                       <a:pPr algn="ctr" fontAlgn="ctr"/>
                       <a:r>
-                        <a:rPr lang="en-US" sz="1600" u="none" strike="noStrike">
+                        <a:rPr lang="en-US" sz="1600" u="none" strike="noStrike" dirty="0">
                           <a:effectLst/>
                         </a:rPr>
                         <a:t>0.34</a:t>
                       </a:r>
-                      <a:endParaRPr lang="en-US" sz="1600" b="0" i="0" u="none" strike="noStrike">
+                      <a:endParaRPr lang="en-US" sz="1600" b="0" i="0" u="none" strike="noStrike" dirty="0">
                         <a:solidFill>
                           <a:srgbClr val="000000"/>
                         </a:solidFill>
@@ -3871,12 +3883,12 @@
                     <a:p>
                       <a:pPr algn="ctr" fontAlgn="ctr"/>
                       <a:r>
-                        <a:rPr lang="en-US" sz="1600" u="none" strike="noStrike">
+                        <a:rPr lang="en-US" sz="1600" u="none" strike="noStrike" dirty="0">
                           <a:effectLst/>
                         </a:rPr>
                         <a:t>-0.23</a:t>
                       </a:r>
-                      <a:endParaRPr lang="en-US" sz="1600" b="0" i="0" u="none" strike="noStrike">
+                      <a:endParaRPr lang="en-US" sz="1600" b="0" i="0" u="none" strike="noStrike" dirty="0">
                         <a:solidFill>
                           <a:srgbClr val="000000"/>
                         </a:solidFill>
@@ -3970,12 +3982,12 @@
                     <a:p>
                       <a:pPr algn="ctr" fontAlgn="ctr"/>
                       <a:r>
-                        <a:rPr lang="en-US" sz="1600" u="none" strike="noStrike">
+                        <a:rPr lang="en-US" sz="1600" u="none" strike="noStrike" dirty="0">
                           <a:effectLst/>
                         </a:rPr>
                         <a:t>0.53</a:t>
                       </a:r>
-                      <a:endParaRPr lang="en-US" sz="1600" b="0" i="0" u="none" strike="noStrike">
+                      <a:endParaRPr lang="en-US" sz="1600" b="0" i="0" u="none" strike="noStrike" dirty="0">
                         <a:solidFill>
                           <a:srgbClr val="000000"/>
                         </a:solidFill>
@@ -6354,6 +6366,127 @@
           </a:prstGeom>
         </p:spPr>
       </p:pic>
+      <p:sp>
+        <p:nvSpPr>
+          <p:cNvPr id="2" name="TextBox 1">
+            <a:extLst>
+              <a:ext uri="{FF2B5EF4-FFF2-40B4-BE49-F238E27FC236}">
+                <a16:creationId xmlns:a16="http://schemas.microsoft.com/office/drawing/2014/main" id="{6F8293C3-7FA0-F246-9776-4FC76E5532CE}"/>
+              </a:ext>
+            </a:extLst>
+          </p:cNvPr>
+          <p:cNvSpPr txBox="1"/>
+          <p:nvPr/>
+        </p:nvSpPr>
+        <p:spPr>
+          <a:xfrm>
+            <a:off x="2260315" y="6041204"/>
+            <a:ext cx="7403693" cy="369332"/>
+          </a:xfrm>
+          <a:prstGeom prst="rect">
+            <a:avLst/>
+          </a:prstGeom>
+          <a:noFill/>
+        </p:spPr>
+        <p:txBody>
+          <a:bodyPr wrap="none" rtlCol="0">
+            <a:spAutoFit/>
+          </a:bodyPr>
+          <a:lstStyle/>
+          <a:p>
+            <a:r>
+              <a:rPr lang="en-US" dirty="0"/>
+              <a:t>Left panel: Low growth and high </a:t>
+            </a:r>
+            <a:r>
+              <a:rPr lang="en-US"/>
+              <a:t>cold tolerance are </a:t>
+            </a:r>
+            <a:r>
+              <a:rPr lang="en-US" dirty="0"/>
+              <a:t>at the edge of the range</a:t>
+            </a:r>
+          </a:p>
+        </p:txBody>
+      </p:sp>
+      <p:sp>
+        <p:nvSpPr>
+          <p:cNvPr id="5" name="TextBox 4">
+            <a:extLst>
+              <a:ext uri="{FF2B5EF4-FFF2-40B4-BE49-F238E27FC236}">
+                <a16:creationId xmlns:a16="http://schemas.microsoft.com/office/drawing/2014/main" id="{7812D937-4EAE-DC46-95A3-84103DC81638}"/>
+              </a:ext>
+            </a:extLst>
+          </p:cNvPr>
+          <p:cNvSpPr txBox="1"/>
+          <p:nvPr/>
+        </p:nvSpPr>
+        <p:spPr>
+          <a:xfrm>
+            <a:off x="2260315" y="6351858"/>
+            <a:ext cx="8213146" cy="369332"/>
+          </a:xfrm>
+          <a:prstGeom prst="rect">
+            <a:avLst/>
+          </a:prstGeom>
+          <a:noFill/>
+        </p:spPr>
+        <p:txBody>
+          <a:bodyPr wrap="none" rtlCol="0">
+            <a:spAutoFit/>
+          </a:bodyPr>
+          <a:lstStyle/>
+          <a:p>
+            <a:r>
+              <a:rPr lang="en-US" dirty="0"/>
+              <a:t>Right panel: High growth and low stress hardiness is associated with lower </a:t>
+            </a:r>
+            <a:r>
+              <a:rPr lang="en-US" dirty="0" err="1"/>
+              <a:t>precitation</a:t>
+            </a:r>
+            <a:r>
+              <a:rPr lang="en-US" dirty="0"/>
+              <a:t> </a:t>
+            </a:r>
+          </a:p>
+        </p:txBody>
+      </p:sp>
+      <p:sp>
+        <p:nvSpPr>
+          <p:cNvPr id="3" name="TextBox 2">
+            <a:extLst>
+              <a:ext uri="{FF2B5EF4-FFF2-40B4-BE49-F238E27FC236}">
+                <a16:creationId xmlns:a16="http://schemas.microsoft.com/office/drawing/2014/main" id="{33C5CA45-AAC1-F445-843C-8A70CA194149}"/>
+              </a:ext>
+            </a:extLst>
+          </p:cNvPr>
+          <p:cNvSpPr txBox="1"/>
+          <p:nvPr/>
+        </p:nvSpPr>
+        <p:spPr>
+          <a:xfrm>
+            <a:off x="102742" y="942208"/>
+            <a:ext cx="9118586" cy="369332"/>
+          </a:xfrm>
+          <a:prstGeom prst="rect">
+            <a:avLst/>
+          </a:prstGeom>
+          <a:noFill/>
+        </p:spPr>
+        <p:txBody>
+          <a:bodyPr wrap="none" rtlCol="0">
+            <a:spAutoFit/>
+          </a:bodyPr>
+          <a:lstStyle/>
+          <a:p>
+            <a:r>
+              <a:rPr lang="en-US" dirty="0"/>
+              <a:t>More cold tolerant, higher growth, lower heat knock down , lower starvation, lower desiccation</a:t>
+            </a:r>
+          </a:p>
+        </p:txBody>
+      </p:sp>
     </p:spTree>
     <p:extLst>
       <p:ext uri="{BB962C8B-B14F-4D97-AF65-F5344CB8AC3E}">
@@ -6439,6 +6572,41 @@
           </a:prstGeom>
         </p:spPr>
       </p:pic>
+      <p:sp>
+        <p:nvSpPr>
+          <p:cNvPr id="6" name="TextBox 5">
+            <a:extLst>
+              <a:ext uri="{FF2B5EF4-FFF2-40B4-BE49-F238E27FC236}">
+                <a16:creationId xmlns:a16="http://schemas.microsoft.com/office/drawing/2014/main" id="{CF72074B-3704-D846-8C79-68D99C26382F}"/>
+              </a:ext>
+            </a:extLst>
+          </p:cNvPr>
+          <p:cNvSpPr txBox="1"/>
+          <p:nvPr/>
+        </p:nvSpPr>
+        <p:spPr>
+          <a:xfrm>
+            <a:off x="4634272" y="1027906"/>
+            <a:ext cx="7601120" cy="369332"/>
+          </a:xfrm>
+          <a:prstGeom prst="rect">
+            <a:avLst/>
+          </a:prstGeom>
+          <a:noFill/>
+        </p:spPr>
+        <p:txBody>
+          <a:bodyPr wrap="none" rtlCol="0">
+            <a:spAutoFit/>
+          </a:bodyPr>
+          <a:lstStyle/>
+          <a:p>
+            <a:r>
+              <a:rPr lang="en-US" dirty="0"/>
+              <a:t>High starvation hardiness and low thermal tolerance, low desiccation hardiness</a:t>
+            </a:r>
+          </a:p>
+        </p:txBody>
+      </p:sp>
     </p:spTree>
     <p:extLst>
       <p:ext uri="{BB962C8B-B14F-4D97-AF65-F5344CB8AC3E}">

--- a/2018-04-02_figure_layout.pptx
+++ b/2018-04-02_figure_layout.pptx
@@ -264,7 +264,7 @@
           <a:p>
             <a:fld id="{8613B011-3E82-E04F-8774-1C022D727498}" type="datetimeFigureOut">
               <a:rPr lang="en-US" smtClean="0"/>
-              <a:t>7/9/18</a:t>
+              <a:t>7/17/18</a:t>
             </a:fld>
             <a:endParaRPr lang="en-US"/>
           </a:p>
@@ -462,7 +462,7 @@
           <a:p>
             <a:fld id="{8613B011-3E82-E04F-8774-1C022D727498}" type="datetimeFigureOut">
               <a:rPr lang="en-US" smtClean="0"/>
-              <a:t>7/9/18</a:t>
+              <a:t>7/17/18</a:t>
             </a:fld>
             <a:endParaRPr lang="en-US"/>
           </a:p>
@@ -670,7 +670,7 @@
           <a:p>
             <a:fld id="{8613B011-3E82-E04F-8774-1C022D727498}" type="datetimeFigureOut">
               <a:rPr lang="en-US" smtClean="0"/>
-              <a:t>7/9/18</a:t>
+              <a:t>7/17/18</a:t>
             </a:fld>
             <a:endParaRPr lang="en-US"/>
           </a:p>
@@ -868,7 +868,7 @@
           <a:p>
             <a:fld id="{8613B011-3E82-E04F-8774-1C022D727498}" type="datetimeFigureOut">
               <a:rPr lang="en-US" smtClean="0"/>
-              <a:t>7/9/18</a:t>
+              <a:t>7/17/18</a:t>
             </a:fld>
             <a:endParaRPr lang="en-US"/>
           </a:p>
@@ -1143,7 +1143,7 @@
           <a:p>
             <a:fld id="{8613B011-3E82-E04F-8774-1C022D727498}" type="datetimeFigureOut">
               <a:rPr lang="en-US" smtClean="0"/>
-              <a:t>7/9/18</a:t>
+              <a:t>7/17/18</a:t>
             </a:fld>
             <a:endParaRPr lang="en-US"/>
           </a:p>
@@ -1408,7 +1408,7 @@
           <a:p>
             <a:fld id="{8613B011-3E82-E04F-8774-1C022D727498}" type="datetimeFigureOut">
               <a:rPr lang="en-US" smtClean="0"/>
-              <a:t>7/9/18</a:t>
+              <a:t>7/17/18</a:t>
             </a:fld>
             <a:endParaRPr lang="en-US"/>
           </a:p>
@@ -1820,7 +1820,7 @@
           <a:p>
             <a:fld id="{8613B011-3E82-E04F-8774-1C022D727498}" type="datetimeFigureOut">
               <a:rPr lang="en-US" smtClean="0"/>
-              <a:t>7/9/18</a:t>
+              <a:t>7/17/18</a:t>
             </a:fld>
             <a:endParaRPr lang="en-US"/>
           </a:p>
@@ -1961,7 +1961,7 @@
           <a:p>
             <a:fld id="{8613B011-3E82-E04F-8774-1C022D727498}" type="datetimeFigureOut">
               <a:rPr lang="en-US" smtClean="0"/>
-              <a:t>7/9/18</a:t>
+              <a:t>7/17/18</a:t>
             </a:fld>
             <a:endParaRPr lang="en-US"/>
           </a:p>
@@ -2074,7 +2074,7 @@
           <a:p>
             <a:fld id="{8613B011-3E82-E04F-8774-1C022D727498}" type="datetimeFigureOut">
               <a:rPr lang="en-US" smtClean="0"/>
-              <a:t>7/9/18</a:t>
+              <a:t>7/17/18</a:t>
             </a:fld>
             <a:endParaRPr lang="en-US"/>
           </a:p>
@@ -2385,7 +2385,7 @@
           <a:p>
             <a:fld id="{8613B011-3E82-E04F-8774-1C022D727498}" type="datetimeFigureOut">
               <a:rPr lang="en-US" smtClean="0"/>
-              <a:t>7/9/18</a:t>
+              <a:t>7/17/18</a:t>
             </a:fld>
             <a:endParaRPr lang="en-US"/>
           </a:p>
@@ -2673,7 +2673,7 @@
           <a:p>
             <a:fld id="{8613B011-3E82-E04F-8774-1C022D727498}" type="datetimeFigureOut">
               <a:rPr lang="en-US" smtClean="0"/>
-              <a:t>7/9/18</a:t>
+              <a:t>7/17/18</a:t>
             </a:fld>
             <a:endParaRPr lang="en-US"/>
           </a:p>
@@ -2914,7 +2914,7 @@
           <a:p>
             <a:fld id="{8613B011-3E82-E04F-8774-1C022D727498}" type="datetimeFigureOut">
               <a:rPr lang="en-US" smtClean="0"/>
-              <a:t>7/9/18</a:t>
+              <a:t>7/17/18</a:t>
             </a:fld>
             <a:endParaRPr lang="en-US"/>
           </a:p>
@@ -3405,7 +3405,7 @@
           <p:nvPr>
             <p:extLst>
               <p:ext uri="{D42A27DB-BD31-4B8C-83A1-F6EECF244321}">
-                <p14:modId xmlns:p14="http://schemas.microsoft.com/office/powerpoint/2010/main" val="4203361425"/>
+                <p14:modId xmlns:p14="http://schemas.microsoft.com/office/powerpoint/2010/main" val="1884238448"/>
               </p:ext>
             </p:extLst>
           </p:nvPr>
@@ -3685,12 +3685,12 @@
                     <a:p>
                       <a:pPr algn="ctr" fontAlgn="ctr"/>
                       <a:r>
-                        <a:rPr lang="en-US" sz="1600" u="none" strike="noStrike">
+                        <a:rPr lang="en-US" sz="1600" u="none" strike="noStrike" dirty="0">
                           <a:effectLst/>
                         </a:rPr>
                         <a:t>-0.54</a:t>
                       </a:r>
-                      <a:endParaRPr lang="en-US" sz="1600" b="0" i="0" u="none" strike="noStrike">
+                      <a:endParaRPr lang="en-US" sz="1600" b="0" i="0" u="none" strike="noStrike" dirty="0">
                         <a:solidFill>
                           <a:srgbClr val="000000"/>
                         </a:solidFill>
@@ -3886,7 +3886,7 @@
                         <a:rPr lang="en-US" sz="1600" u="none" strike="noStrike" dirty="0">
                           <a:effectLst/>
                         </a:rPr>
-                        <a:t>-0.23</a:t>
+                        <a:t>+0.23</a:t>
                       </a:r>
                       <a:endParaRPr lang="en-US" sz="1600" b="0" i="0" u="none" strike="noStrike" dirty="0">
                         <a:solidFill>
@@ -3909,7 +3909,7 @@
                         <a:rPr lang="en-US" sz="1600" u="none" strike="noStrike" dirty="0">
                           <a:effectLst/>
                         </a:rPr>
-                        <a:t>0.79</a:t>
+                        <a:t>-0.79</a:t>
                       </a:r>
                       <a:endParaRPr lang="en-US" sz="1600" b="0" i="0" u="none" strike="noStrike" dirty="0">
                         <a:solidFill>
@@ -5382,12 +5382,12 @@
                     <a:p>
                       <a:pPr algn="ctr" fontAlgn="b"/>
                       <a:r>
-                        <a:rPr lang="en-US" sz="1100" u="none" strike="noStrike">
+                        <a:rPr lang="en-US" sz="1100" u="none" strike="noStrike" dirty="0">
                           <a:effectLst/>
                         </a:rPr>
                         <a:t>0.26</a:t>
                       </a:r>
-                      <a:endParaRPr lang="en-US" sz="1100" b="0" i="0" u="none" strike="noStrike">
+                      <a:endParaRPr lang="en-US" sz="1100" b="0" i="0" u="none" strike="noStrike" dirty="0">
                         <a:solidFill>
                           <a:srgbClr val="000000"/>
                         </a:solidFill>
@@ -6110,12 +6110,12 @@
                     <a:p>
                       <a:pPr algn="ctr" fontAlgn="b"/>
                       <a:r>
-                        <a:rPr lang="en-US" sz="1100" u="none" strike="noStrike">
+                        <a:rPr lang="en-US" sz="1100" u="none" strike="noStrike" dirty="0">
                           <a:effectLst/>
                         </a:rPr>
                         <a:t>0.21</a:t>
                       </a:r>
-                      <a:endParaRPr lang="en-US" sz="1100" b="0" i="0" u="none" strike="noStrike">
+                      <a:endParaRPr lang="en-US" sz="1100" b="0" i="0" u="none" strike="noStrike" dirty="0">
                         <a:solidFill>
                           <a:srgbClr val="000000"/>
                         </a:solidFill>
@@ -6368,10 +6368,10 @@
       </p:pic>
       <p:sp>
         <p:nvSpPr>
-          <p:cNvPr id="2" name="TextBox 1">
-            <a:extLst>
-              <a:ext uri="{FF2B5EF4-FFF2-40B4-BE49-F238E27FC236}">
-                <a16:creationId xmlns:a16="http://schemas.microsoft.com/office/drawing/2014/main" id="{6F8293C3-7FA0-F246-9776-4FC76E5532CE}"/>
+          <p:cNvPr id="6" name="TextBox 5">
+            <a:extLst>
+              <a:ext uri="{FF2B5EF4-FFF2-40B4-BE49-F238E27FC236}">
+                <a16:creationId xmlns:a16="http://schemas.microsoft.com/office/drawing/2014/main" id="{3A1E8994-F38B-514D-BED5-34BDB97E85D4}"/>
               </a:ext>
             </a:extLst>
           </p:cNvPr>
@@ -6380,8 +6380,8 @@
         </p:nvSpPr>
         <p:spPr>
           <a:xfrm>
-            <a:off x="2260315" y="6041204"/>
-            <a:ext cx="7403693" cy="369332"/>
+            <a:off x="210589" y="4887882"/>
+            <a:ext cx="1870364" cy="954107"/>
           </a:xfrm>
           <a:prstGeom prst="rect">
             <a:avLst/>
@@ -6389,32 +6389,24 @@
           <a:noFill/>
         </p:spPr>
         <p:txBody>
-          <a:bodyPr wrap="none" rtlCol="0">
+          <a:bodyPr wrap="square" rtlCol="0">
             <a:spAutoFit/>
           </a:bodyPr>
           <a:lstStyle/>
           <a:p>
             <a:r>
-              <a:rPr lang="en-US" dirty="0"/>
-              <a:t>Left panel: Low growth and high </a:t>
-            </a:r>
-            <a:r>
-              <a:rPr lang="en-US"/>
-              <a:t>cold tolerance are </a:t>
-            </a:r>
-            <a:r>
-              <a:rPr lang="en-US" dirty="0"/>
-              <a:t>at the edge of the range</a:t>
+              <a:rPr lang="en-US" sz="1400" dirty="0"/>
+              <a:t>Higher heat tolerance, starvation resistance, and desiccation resistance</a:t>
             </a:r>
           </a:p>
         </p:txBody>
       </p:sp>
       <p:sp>
         <p:nvSpPr>
-          <p:cNvPr id="5" name="TextBox 4">
-            <a:extLst>
-              <a:ext uri="{FF2B5EF4-FFF2-40B4-BE49-F238E27FC236}">
-                <a16:creationId xmlns:a16="http://schemas.microsoft.com/office/drawing/2014/main" id="{7812D937-4EAE-DC46-95A3-84103DC81638}"/>
+          <p:cNvPr id="7" name="TextBox 6">
+            <a:extLst>
+              <a:ext uri="{FF2B5EF4-FFF2-40B4-BE49-F238E27FC236}">
+                <a16:creationId xmlns:a16="http://schemas.microsoft.com/office/drawing/2014/main" id="{EE145EAA-00AF-B349-BABB-B6E0F967372D}"/>
               </a:ext>
             </a:extLst>
           </p:cNvPr>
@@ -6423,8 +6415,8 @@
         </p:nvSpPr>
         <p:spPr>
           <a:xfrm>
-            <a:off x="2260315" y="6351858"/>
-            <a:ext cx="8213146" cy="369332"/>
+            <a:off x="104756" y="1027906"/>
+            <a:ext cx="1870364" cy="523220"/>
           </a:xfrm>
           <a:prstGeom prst="rect">
             <a:avLst/>
@@ -6432,57 +6424,14 @@
           <a:noFill/>
         </p:spPr>
         <p:txBody>
-          <a:bodyPr wrap="none" rtlCol="0">
+          <a:bodyPr wrap="square" rtlCol="0">
             <a:spAutoFit/>
           </a:bodyPr>
           <a:lstStyle/>
           <a:p>
             <a:r>
-              <a:rPr lang="en-US" dirty="0"/>
-              <a:t>Right panel: High growth and low stress hardiness is associated with lower </a:t>
-            </a:r>
-            <a:r>
-              <a:rPr lang="en-US" dirty="0" err="1"/>
-              <a:t>precitation</a:t>
-            </a:r>
-            <a:r>
-              <a:rPr lang="en-US" dirty="0"/>
-              <a:t> </a:t>
-            </a:r>
-          </a:p>
-        </p:txBody>
-      </p:sp>
-      <p:sp>
-        <p:nvSpPr>
-          <p:cNvPr id="3" name="TextBox 2">
-            <a:extLst>
-              <a:ext uri="{FF2B5EF4-FFF2-40B4-BE49-F238E27FC236}">
-                <a16:creationId xmlns:a16="http://schemas.microsoft.com/office/drawing/2014/main" id="{33C5CA45-AAC1-F445-843C-8A70CA194149}"/>
-              </a:ext>
-            </a:extLst>
-          </p:cNvPr>
-          <p:cNvSpPr txBox="1"/>
-          <p:nvPr/>
-        </p:nvSpPr>
-        <p:spPr>
-          <a:xfrm>
-            <a:off x="102742" y="942208"/>
-            <a:ext cx="9118586" cy="369332"/>
-          </a:xfrm>
-          <a:prstGeom prst="rect">
-            <a:avLst/>
-          </a:prstGeom>
-          <a:noFill/>
-        </p:spPr>
-        <p:txBody>
-          <a:bodyPr wrap="none" rtlCol="0">
-            <a:spAutoFit/>
-          </a:bodyPr>
-          <a:lstStyle/>
-          <a:p>
-            <a:r>
-              <a:rPr lang="en-US" dirty="0"/>
-              <a:t>More cold tolerant, higher growth, lower heat knock down , lower starvation, lower desiccation</a:t>
+              <a:rPr lang="en-US" sz="1400" dirty="0"/>
+              <a:t>Higher growth rate and cold tolerance</a:t>
             </a:r>
           </a:p>
         </p:txBody>
